--- a/documents/presentation.pptx
+++ b/documents/presentation.pptx
@@ -5,13 +5,15 @@
     <p:sldMasterId id="2147483648" r:id="rId1"/>
   </p:sldMasterIdLst>
   <p:notesMasterIdLst>
-    <p:notesMasterId r:id="rId6"/>
+    <p:notesMasterId r:id="rId8"/>
   </p:notesMasterIdLst>
   <p:sldIdLst>
     <p:sldId id="257" r:id="rId2"/>
     <p:sldId id="258" r:id="rId3"/>
     <p:sldId id="256" r:id="rId4"/>
     <p:sldId id="259" r:id="rId5"/>
+    <p:sldId id="260" r:id="rId6"/>
+    <p:sldId id="261" r:id="rId7"/>
   </p:sldIdLst>
   <p:sldSz cx="12192000" cy="6858000"/>
   <p:notesSz cx="6858000" cy="9144000"/>
@@ -110,6 +112,11 @@
       </a:defRPr>
     </a:lvl9pPr>
   </p:defaultTextStyle>
+  <p:extLst>
+    <p:ext uri="{EFAFB233-063F-42B5-8137-9DF3F51BA10A}">
+      <p15:sldGuideLst xmlns:p15="http://schemas.microsoft.com/office/powerpoint/2012/main"/>
+    </p:ext>
+  </p:extLst>
 </p:presentation>
 </file>
 
@@ -195,7 +202,7 @@
           <a:p>
             <a:fld id="{94ADBB3B-A840-4719-903D-9E162DB1B0F6}" type="datetimeFigureOut">
               <a:rPr lang="en-GB" smtClean="0"/>
-              <a:t>14/12/2023</a:t>
+              <a:t>17/12/2023</a:t>
             </a:fld>
             <a:endParaRPr lang="en-GB"/>
           </a:p>
@@ -696,7 +703,7 @@
           <a:p>
             <a:fld id="{5378F29C-272C-4B9A-8D80-DE91448D8683}" type="datetimeFigureOut">
               <a:rPr lang="en-GB" smtClean="0"/>
-              <a:t>14/12/2023</a:t>
+              <a:t>17/12/2023</a:t>
             </a:fld>
             <a:endParaRPr lang="en-GB"/>
           </a:p>
@@ -896,7 +903,7 @@
           <a:p>
             <a:fld id="{5378F29C-272C-4B9A-8D80-DE91448D8683}" type="datetimeFigureOut">
               <a:rPr lang="en-GB" smtClean="0"/>
-              <a:t>14/12/2023</a:t>
+              <a:t>17/12/2023</a:t>
             </a:fld>
             <a:endParaRPr lang="en-GB"/>
           </a:p>
@@ -1106,7 +1113,7 @@
           <a:p>
             <a:fld id="{5378F29C-272C-4B9A-8D80-DE91448D8683}" type="datetimeFigureOut">
               <a:rPr lang="en-GB" smtClean="0"/>
-              <a:t>14/12/2023</a:t>
+              <a:t>17/12/2023</a:t>
             </a:fld>
             <a:endParaRPr lang="en-GB"/>
           </a:p>
@@ -1306,7 +1313,7 @@
           <a:p>
             <a:fld id="{5378F29C-272C-4B9A-8D80-DE91448D8683}" type="datetimeFigureOut">
               <a:rPr lang="en-GB" smtClean="0"/>
-              <a:t>14/12/2023</a:t>
+              <a:t>17/12/2023</a:t>
             </a:fld>
             <a:endParaRPr lang="en-GB"/>
           </a:p>
@@ -1582,7 +1589,7 @@
           <a:p>
             <a:fld id="{5378F29C-272C-4B9A-8D80-DE91448D8683}" type="datetimeFigureOut">
               <a:rPr lang="en-GB" smtClean="0"/>
-              <a:t>14/12/2023</a:t>
+              <a:t>17/12/2023</a:t>
             </a:fld>
             <a:endParaRPr lang="en-GB"/>
           </a:p>
@@ -1850,7 +1857,7 @@
           <a:p>
             <a:fld id="{5378F29C-272C-4B9A-8D80-DE91448D8683}" type="datetimeFigureOut">
               <a:rPr lang="en-GB" smtClean="0"/>
-              <a:t>14/12/2023</a:t>
+              <a:t>17/12/2023</a:t>
             </a:fld>
             <a:endParaRPr lang="en-GB"/>
           </a:p>
@@ -2265,7 +2272,7 @@
           <a:p>
             <a:fld id="{5378F29C-272C-4B9A-8D80-DE91448D8683}" type="datetimeFigureOut">
               <a:rPr lang="en-GB" smtClean="0"/>
-              <a:t>14/12/2023</a:t>
+              <a:t>17/12/2023</a:t>
             </a:fld>
             <a:endParaRPr lang="en-GB"/>
           </a:p>
@@ -2407,7 +2414,7 @@
           <a:p>
             <a:fld id="{5378F29C-272C-4B9A-8D80-DE91448D8683}" type="datetimeFigureOut">
               <a:rPr lang="en-GB" smtClean="0"/>
-              <a:t>14/12/2023</a:t>
+              <a:t>17/12/2023</a:t>
             </a:fld>
             <a:endParaRPr lang="en-GB"/>
           </a:p>
@@ -2520,7 +2527,7 @@
           <a:p>
             <a:fld id="{5378F29C-272C-4B9A-8D80-DE91448D8683}" type="datetimeFigureOut">
               <a:rPr lang="en-GB" smtClean="0"/>
-              <a:t>14/12/2023</a:t>
+              <a:t>17/12/2023</a:t>
             </a:fld>
             <a:endParaRPr lang="en-GB"/>
           </a:p>
@@ -2833,7 +2840,7 @@
           <a:p>
             <a:fld id="{5378F29C-272C-4B9A-8D80-DE91448D8683}" type="datetimeFigureOut">
               <a:rPr lang="en-GB" smtClean="0"/>
-              <a:t>14/12/2023</a:t>
+              <a:t>17/12/2023</a:t>
             </a:fld>
             <a:endParaRPr lang="en-GB"/>
           </a:p>
@@ -3122,7 +3129,7 @@
           <a:p>
             <a:fld id="{5378F29C-272C-4B9A-8D80-DE91448D8683}" type="datetimeFigureOut">
               <a:rPr lang="en-GB" smtClean="0"/>
-              <a:t>14/12/2023</a:t>
+              <a:t>17/12/2023</a:t>
             </a:fld>
             <a:endParaRPr lang="en-GB"/>
           </a:p>
@@ -3365,7 +3372,7 @@
           <a:p>
             <a:fld id="{5378F29C-272C-4B9A-8D80-DE91448D8683}" type="datetimeFigureOut">
               <a:rPr lang="en-GB" smtClean="0"/>
-              <a:t>14/12/2023</a:t>
+              <a:t>17/12/2023</a:t>
             </a:fld>
             <a:endParaRPr lang="en-GB"/>
           </a:p>
@@ -4013,14 +4020,14 @@
             <a:r>
               <a:rPr lang="fr-FR" sz="2800" b="1" dirty="0" err="1">
                 <a:solidFill>
-                  <a:schemeClr val="tx1"/>
+                  <a:srgbClr val="0070C0"/>
                 </a:solidFill>
               </a:rPr>
               <a:t>PrimalsInteroception</a:t>
             </a:r>
             <a:endParaRPr lang="fr-FR" sz="2800" b="1" dirty="0">
               <a:solidFill>
-                <a:schemeClr val="tx1"/>
+                <a:srgbClr val="0070C0"/>
               </a:solidFill>
             </a:endParaRPr>
           </a:p>
@@ -4215,7 +4222,7 @@
             <a:r>
               <a:rPr lang="fr-FR" b="1" dirty="0">
                 <a:solidFill>
-                  <a:schemeClr val="tx1"/>
+                  <a:srgbClr val="0070C0"/>
                 </a:solidFill>
               </a:rPr>
               <a:t>CODENAME:</a:t>
@@ -4229,7 +4236,7 @@
             <a:r>
               <a:rPr lang="fr-FR" b="1" dirty="0">
                 <a:solidFill>
-                  <a:schemeClr val="tx1"/>
+                  <a:srgbClr val="0070C0"/>
                 </a:solidFill>
               </a:rPr>
               <a:t>Brief </a:t>
@@ -4237,7 +4244,7 @@
             <a:r>
               <a:rPr lang="fr-FR" b="1" dirty="0" err="1">
                 <a:solidFill>
-                  <a:schemeClr val="tx1"/>
+                  <a:srgbClr val="0070C0"/>
                 </a:solidFill>
               </a:rPr>
               <a:t>Assessment</a:t>
@@ -4245,7 +4252,7 @@
             <a:r>
               <a:rPr lang="fr-FR" b="1" dirty="0">
                 <a:solidFill>
-                  <a:schemeClr val="tx1"/>
+                  <a:srgbClr val="0070C0"/>
                 </a:solidFill>
               </a:rPr>
               <a:t> of </a:t>
@@ -4253,7 +4260,7 @@
             <a:r>
               <a:rPr lang="fr-FR" b="1" dirty="0" err="1">
                 <a:solidFill>
-                  <a:schemeClr val="tx1"/>
+                  <a:srgbClr val="0070C0"/>
                 </a:solidFill>
               </a:rPr>
               <a:t>Interoception</a:t>
@@ -4261,7 +4268,7 @@
             <a:r>
               <a:rPr lang="fr-FR" b="1" dirty="0">
                 <a:solidFill>
-                  <a:schemeClr val="tx1"/>
+                  <a:srgbClr val="0070C0"/>
                 </a:solidFill>
               </a:rPr>
               <a:t> in </a:t>
@@ -4269,7 +4276,7 @@
             <a:r>
               <a:rPr lang="fr-FR" b="1" dirty="0" err="1">
                 <a:solidFill>
-                  <a:schemeClr val="tx1"/>
+                  <a:srgbClr val="0070C0"/>
                 </a:solidFill>
               </a:rPr>
               <a:t>Neuropsychology</a:t>
@@ -4277,7 +4284,7 @@
             <a:r>
               <a:rPr lang="fr-FR" b="1" dirty="0">
                 <a:solidFill>
-                  <a:schemeClr val="tx1"/>
+                  <a:srgbClr val="0070C0"/>
                 </a:solidFill>
               </a:rPr>
               <a:t> (</a:t>
@@ -4285,7 +4292,7 @@
             <a:r>
               <a:rPr lang="fr-FR" b="1" dirty="0" err="1">
                 <a:solidFill>
-                  <a:schemeClr val="tx1"/>
+                  <a:srgbClr val="0070C0"/>
                 </a:solidFill>
               </a:rPr>
               <a:t>BrAIN</a:t>
@@ -4293,7 +4300,7 @@
             <a:r>
               <a:rPr lang="fr-FR" b="1" dirty="0">
                 <a:solidFill>
-                  <a:schemeClr val="tx1"/>
+                  <a:srgbClr val="0070C0"/>
                 </a:solidFill>
               </a:rPr>
               <a:t>)</a:t>
@@ -4305,27 +4312,51 @@
               <a:buChar char="•"/>
             </a:pPr>
             <a:r>
-              <a:rPr lang="fr-FR" b="1" dirty="0" err="1"/>
+              <a:rPr lang="fr-FR" b="1" dirty="0" err="1">
+                <a:solidFill>
+                  <a:srgbClr val="0070C0"/>
+                </a:solidFill>
+              </a:rPr>
               <a:t>Comprehensive</a:t>
             </a:r>
             <a:r>
-              <a:rPr lang="fr-FR" b="1" dirty="0"/>
+              <a:rPr lang="fr-FR" b="1" dirty="0">
+                <a:solidFill>
+                  <a:srgbClr val="0070C0"/>
+                </a:solidFill>
+              </a:rPr>
               <a:t> </a:t>
             </a:r>
             <a:r>
-              <a:rPr lang="fr-FR" b="1" dirty="0" err="1"/>
+              <a:rPr lang="fr-FR" b="1" dirty="0" err="1">
+                <a:solidFill>
+                  <a:srgbClr val="0070C0"/>
+                </a:solidFill>
+              </a:rPr>
               <a:t>Interoceptive</a:t>
             </a:r>
             <a:r>
-              <a:rPr lang="fr-FR" b="1" dirty="0"/>
+              <a:rPr lang="fr-FR" b="1" dirty="0">
+                <a:solidFill>
+                  <a:srgbClr val="0070C0"/>
+                </a:solidFill>
+              </a:rPr>
               <a:t> </a:t>
             </a:r>
             <a:r>
-              <a:rPr lang="fr-FR" b="1" dirty="0" err="1"/>
+              <a:rPr lang="fr-FR" b="1" dirty="0" err="1">
+                <a:solidFill>
+                  <a:srgbClr val="0070C0"/>
+                </a:solidFill>
+              </a:rPr>
               <a:t>Assessment</a:t>
             </a:r>
             <a:r>
-              <a:rPr lang="fr-FR" b="1" dirty="0"/>
+              <a:rPr lang="fr-FR" b="1" dirty="0">
+                <a:solidFill>
+                  <a:srgbClr val="0070C0"/>
+                </a:solidFill>
+              </a:rPr>
               <a:t> (CIA)</a:t>
             </a:r>
           </a:p>
@@ -4337,7 +4368,7 @@
             <a:r>
               <a:rPr lang="fr-FR" b="1" dirty="0">
                 <a:solidFill>
-                  <a:schemeClr val="tx1"/>
+                  <a:srgbClr val="0070C0"/>
                 </a:solidFill>
               </a:rPr>
               <a:t>…</a:t>
@@ -4798,6 +4829,221 @@
         <p:spPr>
           <a:xfrm>
             <a:off x="0" y="0"/>
+            <a:ext cx="8677072" cy="523220"/>
+          </a:xfrm>
+          <a:prstGeom prst="rect">
+            <a:avLst/>
+          </a:prstGeom>
+          <a:noFill/>
+        </p:spPr>
+        <p:txBody>
+          <a:bodyPr wrap="square">
+            <a:spAutoFit/>
+          </a:bodyPr>
+          <a:lstStyle/>
+          <a:p>
+            <a:r>
+              <a:rPr lang="fr-FR" sz="2800" b="1" dirty="0" err="1">
+                <a:solidFill>
+                  <a:srgbClr val="00B050"/>
+                </a:solidFill>
+              </a:rPr>
+              <a:t>Subproject</a:t>
+            </a:r>
+            <a:r>
+              <a:rPr lang="fr-FR" sz="2800" b="1" dirty="0">
+                <a:solidFill>
+                  <a:srgbClr val="00B050"/>
+                </a:solidFill>
+              </a:rPr>
+              <a:t> 1: Subjective </a:t>
+            </a:r>
+            <a:r>
+              <a:rPr lang="fr-FR" sz="2800" b="1" dirty="0" err="1">
+                <a:solidFill>
+                  <a:srgbClr val="00B050"/>
+                </a:solidFill>
+              </a:rPr>
+              <a:t>Measure</a:t>
+            </a:r>
+            <a:r>
+              <a:rPr lang="fr-FR" sz="2800" b="1" dirty="0">
+                <a:solidFill>
+                  <a:srgbClr val="00B050"/>
+                </a:solidFill>
+              </a:rPr>
+              <a:t> - IAS revalidation </a:t>
+            </a:r>
+          </a:p>
+        </p:txBody>
+      </p:sp>
+    </p:spTree>
+    <p:extLst>
+      <p:ext uri="{BB962C8B-B14F-4D97-AF65-F5344CB8AC3E}">
+        <p14:creationId xmlns:p14="http://schemas.microsoft.com/office/powerpoint/2010/main" val="3127196617"/>
+      </p:ext>
+    </p:extLst>
+  </p:cSld>
+  <p:clrMapOvr>
+    <a:masterClrMapping/>
+  </p:clrMapOvr>
+</p:sld>
+</file>
+
+<file path=ppt/slides/slide5.xml><?xml version="1.0" encoding="utf-8"?>
+<p:sld xmlns:a="http://schemas.openxmlformats.org/drawingml/2006/main" xmlns:r="http://schemas.openxmlformats.org/officeDocument/2006/relationships" xmlns:p="http://schemas.openxmlformats.org/presentationml/2006/main">
+  <p:cSld>
+    <p:spTree>
+      <p:nvGrpSpPr>
+        <p:cNvPr id="1" name=""/>
+        <p:cNvGrpSpPr/>
+        <p:nvPr/>
+      </p:nvGrpSpPr>
+      <p:grpSpPr>
+        <a:xfrm>
+          <a:off x="0" y="0"/>
+          <a:ext cx="0" cy="0"/>
+          <a:chOff x="0" y="0"/>
+          <a:chExt cx="0" cy="0"/>
+        </a:xfrm>
+      </p:grpSpPr>
+      <p:sp>
+        <p:nvSpPr>
+          <p:cNvPr id="19" name="TextBox 18">
+            <a:extLst>
+              <a:ext uri="{FF2B5EF4-FFF2-40B4-BE49-F238E27FC236}">
+                <a16:creationId xmlns:a16="http://schemas.microsoft.com/office/drawing/2014/main" id="{5173F840-024B-F6BD-FBE4-709D1A33E99D}"/>
+              </a:ext>
+            </a:extLst>
+          </p:cNvPr>
+          <p:cNvSpPr txBox="1"/>
+          <p:nvPr/>
+        </p:nvSpPr>
+        <p:spPr>
+          <a:xfrm>
+            <a:off x="-1" y="0"/>
+            <a:ext cx="8035047" cy="523220"/>
+          </a:xfrm>
+          <a:prstGeom prst="rect">
+            <a:avLst/>
+          </a:prstGeom>
+          <a:noFill/>
+        </p:spPr>
+        <p:txBody>
+          <a:bodyPr wrap="square">
+            <a:spAutoFit/>
+          </a:bodyPr>
+          <a:lstStyle/>
+          <a:p>
+            <a:r>
+              <a:rPr lang="fr-FR" sz="2800" b="1" dirty="0" err="1">
+                <a:solidFill>
+                  <a:srgbClr val="00B050"/>
+                </a:solidFill>
+              </a:rPr>
+              <a:t>Subproject</a:t>
+            </a:r>
+            <a:r>
+              <a:rPr lang="fr-FR" sz="2800" b="1" dirty="0">
+                <a:solidFill>
+                  <a:srgbClr val="00B050"/>
+                </a:solidFill>
+              </a:rPr>
+              <a:t> 2: </a:t>
+            </a:r>
+            <a:r>
+              <a:rPr lang="fr-FR" sz="2800" b="1" dirty="0" err="1">
+                <a:solidFill>
+                  <a:srgbClr val="00B050"/>
+                </a:solidFill>
+              </a:rPr>
+              <a:t>Implicit</a:t>
+            </a:r>
+            <a:r>
+              <a:rPr lang="fr-FR" sz="2800" b="1" dirty="0">
+                <a:solidFill>
+                  <a:srgbClr val="00B050"/>
+                </a:solidFill>
+              </a:rPr>
+              <a:t> </a:t>
+            </a:r>
+            <a:r>
+              <a:rPr lang="fr-FR" sz="2800" b="1" dirty="0" err="1">
+                <a:solidFill>
+                  <a:srgbClr val="00B050"/>
+                </a:solidFill>
+              </a:rPr>
+              <a:t>Measure</a:t>
+            </a:r>
+            <a:r>
+              <a:rPr lang="fr-FR" sz="2800" b="1" dirty="0">
+                <a:solidFill>
+                  <a:srgbClr val="00B050"/>
+                </a:solidFill>
+              </a:rPr>
+              <a:t> - Tapping </a:t>
+            </a:r>
+            <a:r>
+              <a:rPr lang="fr-FR" sz="2800" b="1" dirty="0" err="1">
+                <a:solidFill>
+                  <a:srgbClr val="00B050"/>
+                </a:solidFill>
+              </a:rPr>
+              <a:t>Task</a:t>
+            </a:r>
+            <a:endParaRPr lang="fr-FR" sz="2800" b="1" dirty="0">
+              <a:solidFill>
+                <a:srgbClr val="00B050"/>
+              </a:solidFill>
+            </a:endParaRPr>
+          </a:p>
+        </p:txBody>
+      </p:sp>
+    </p:spTree>
+    <p:extLst>
+      <p:ext uri="{BB962C8B-B14F-4D97-AF65-F5344CB8AC3E}">
+        <p14:creationId xmlns:p14="http://schemas.microsoft.com/office/powerpoint/2010/main" val="3762344419"/>
+      </p:ext>
+    </p:extLst>
+  </p:cSld>
+  <p:clrMapOvr>
+    <a:masterClrMapping/>
+  </p:clrMapOvr>
+</p:sld>
+</file>
+
+<file path=ppt/slides/slide6.xml><?xml version="1.0" encoding="utf-8"?>
+<p:sld xmlns:a="http://schemas.openxmlformats.org/drawingml/2006/main" xmlns:r="http://schemas.openxmlformats.org/officeDocument/2006/relationships" xmlns:p="http://schemas.openxmlformats.org/presentationml/2006/main">
+  <p:cSld>
+    <p:spTree>
+      <p:nvGrpSpPr>
+        <p:cNvPr id="1" name=""/>
+        <p:cNvGrpSpPr/>
+        <p:nvPr/>
+      </p:nvGrpSpPr>
+      <p:grpSpPr>
+        <a:xfrm>
+          <a:off x="0" y="0"/>
+          <a:ext cx="0" cy="0"/>
+          <a:chOff x="0" y="0"/>
+          <a:chExt cx="0" cy="0"/>
+        </a:xfrm>
+      </p:grpSpPr>
+      <p:sp>
+        <p:nvSpPr>
+          <p:cNvPr id="19" name="TextBox 18">
+            <a:extLst>
+              <a:ext uri="{FF2B5EF4-FFF2-40B4-BE49-F238E27FC236}">
+                <a16:creationId xmlns:a16="http://schemas.microsoft.com/office/drawing/2014/main" id="{5173F840-024B-F6BD-FBE4-709D1A33E99D}"/>
+              </a:ext>
+            </a:extLst>
+          </p:cNvPr>
+          <p:cNvSpPr txBox="1"/>
+          <p:nvPr/>
+        </p:nvSpPr>
+        <p:spPr>
+          <a:xfrm>
+            <a:off x="0" y="0"/>
             <a:ext cx="6530340" cy="523220"/>
           </a:xfrm>
           <a:prstGeom prst="rect">
@@ -4812,12 +5058,52 @@
           <a:lstStyle/>
           <a:p>
             <a:r>
+              <a:rPr lang="fr-FR" sz="2800" b="1" dirty="0" err="1">
+                <a:solidFill>
+                  <a:srgbClr val="00B050"/>
+                </a:solidFill>
+              </a:rPr>
+              <a:t>Subproject</a:t>
+            </a:r>
+            <a:r>
               <a:rPr lang="fr-FR" sz="2800" b="1" dirty="0">
                 <a:solidFill>
-                  <a:schemeClr val="tx1"/>
+                  <a:srgbClr val="00B050"/>
                 </a:solidFill>
               </a:rPr>
-              <a:t>IAS: revalidation</a:t>
+              <a:t> 3: </a:t>
+            </a:r>
+            <a:r>
+              <a:rPr lang="fr-FR" sz="2800" b="1" dirty="0" err="1">
+                <a:solidFill>
+                  <a:srgbClr val="00B050"/>
+                </a:solidFill>
+              </a:rPr>
+              <a:t>Implicit</a:t>
+            </a:r>
+            <a:r>
+              <a:rPr lang="fr-FR" sz="2800" b="1" dirty="0">
+                <a:solidFill>
+                  <a:srgbClr val="00B050"/>
+                </a:solidFill>
+              </a:rPr>
+              <a:t> </a:t>
+            </a:r>
+            <a:r>
+              <a:rPr lang="fr-FR" sz="2800" b="1" dirty="0" err="1">
+                <a:solidFill>
+                  <a:srgbClr val="00B050"/>
+                </a:solidFill>
+              </a:rPr>
+              <a:t>Measure</a:t>
+            </a:r>
+            <a:r>
+              <a:rPr lang="fr-FR" sz="2800" b="1" dirty="0">
+                <a:solidFill>
+                  <a:srgbClr val="00B050"/>
+                </a:solidFill>
+              </a:rPr>
+              <a:t> - HEP </a:t>
             </a:r>
           </a:p>
         </p:txBody>
@@ -4825,7 +5111,7 @@
     </p:spTree>
     <p:extLst>
       <p:ext uri="{BB962C8B-B14F-4D97-AF65-F5344CB8AC3E}">
-        <p14:creationId xmlns:p14="http://schemas.microsoft.com/office/powerpoint/2010/main" val="3127196617"/>
+        <p14:creationId xmlns:p14="http://schemas.microsoft.com/office/powerpoint/2010/main" val="2165187079"/>
       </p:ext>
     </p:extLst>
   </p:cSld>

--- a/documents/presentation.pptx
+++ b/documents/presentation.pptx
@@ -8,7 +8,7 @@
     <p:notesMasterId r:id="rId8"/>
   </p:notesMasterIdLst>
   <p:sldIdLst>
-    <p:sldId id="257" r:id="rId2"/>
+    <p:sldId id="262" r:id="rId2"/>
     <p:sldId id="258" r:id="rId3"/>
     <p:sldId id="256" r:id="rId4"/>
     <p:sldId id="259" r:id="rId5"/>
@@ -202,7 +202,7 @@
           <a:p>
             <a:fld id="{94ADBB3B-A840-4719-903D-9E162DB1B0F6}" type="datetimeFigureOut">
               <a:rPr lang="en-GB" smtClean="0"/>
-              <a:t>17/12/2023</a:t>
+              <a:t>04/01/2024</a:t>
             </a:fld>
             <a:endParaRPr lang="en-GB"/>
           </a:p>
@@ -470,90 +470,6 @@
 </p:notesMaster>
 </file>
 
-<file path=ppt/notesSlides/notesSlide1.xml><?xml version="1.0" encoding="utf-8"?>
-<p:notes xmlns:a="http://schemas.openxmlformats.org/drawingml/2006/main" xmlns:r="http://schemas.openxmlformats.org/officeDocument/2006/relationships" xmlns:p="http://schemas.openxmlformats.org/presentationml/2006/main">
-  <p:cSld>
-    <p:spTree>
-      <p:nvGrpSpPr>
-        <p:cNvPr id="1" name=""/>
-        <p:cNvGrpSpPr/>
-        <p:nvPr/>
-      </p:nvGrpSpPr>
-      <p:grpSpPr>
-        <a:xfrm>
-          <a:off x="0" y="0"/>
-          <a:ext cx="0" cy="0"/>
-          <a:chOff x="0" y="0"/>
-          <a:chExt cx="0" cy="0"/>
-        </a:xfrm>
-      </p:grpSpPr>
-      <p:sp>
-        <p:nvSpPr>
-          <p:cNvPr id="2" name="Slide Image Placeholder 1"/>
-          <p:cNvSpPr>
-            <a:spLocks noGrp="1" noRot="1" noChangeAspect="1"/>
-          </p:cNvSpPr>
-          <p:nvPr>
-            <p:ph type="sldImg"/>
-          </p:nvPr>
-        </p:nvSpPr>
-        <p:spPr/>
-      </p:sp>
-      <p:sp>
-        <p:nvSpPr>
-          <p:cNvPr id="3" name="Notes Placeholder 2"/>
-          <p:cNvSpPr>
-            <a:spLocks noGrp="1"/>
-          </p:cNvSpPr>
-          <p:nvPr>
-            <p:ph type="body" idx="1"/>
-          </p:nvPr>
-        </p:nvSpPr>
-        <p:spPr/>
-        <p:txBody>
-          <a:bodyPr/>
-          <a:lstStyle/>
-          <a:p>
-            <a:endParaRPr lang="en-GB" dirty="0"/>
-          </a:p>
-        </p:txBody>
-      </p:sp>
-      <p:sp>
-        <p:nvSpPr>
-          <p:cNvPr id="4" name="Slide Number Placeholder 3"/>
-          <p:cNvSpPr>
-            <a:spLocks noGrp="1"/>
-          </p:cNvSpPr>
-          <p:nvPr>
-            <p:ph type="sldNum" sz="quarter" idx="5"/>
-          </p:nvPr>
-        </p:nvSpPr>
-        <p:spPr/>
-        <p:txBody>
-          <a:bodyPr/>
-          <a:lstStyle/>
-          <a:p>
-            <a:fld id="{0E272406-989E-45C6-A566-2D8D35CBFAD2}" type="slidenum">
-              <a:rPr lang="en-GB" smtClean="0"/>
-              <a:t>1</a:t>
-            </a:fld>
-            <a:endParaRPr lang="en-GB"/>
-          </a:p>
-        </p:txBody>
-      </p:sp>
-    </p:spTree>
-    <p:extLst>
-      <p:ext uri="{BB962C8B-B14F-4D97-AF65-F5344CB8AC3E}">
-        <p14:creationId xmlns:p14="http://schemas.microsoft.com/office/powerpoint/2010/main" val="2517671432"/>
-      </p:ext>
-    </p:extLst>
-  </p:cSld>
-  <p:clrMapOvr>
-    <a:masterClrMapping/>
-  </p:clrMapOvr>
-</p:notes>
-</file>
-
 <file path=ppt/slideLayouts/slideLayout1.xml><?xml version="1.0" encoding="utf-8"?>
 <p:sldLayout xmlns:a="http://schemas.openxmlformats.org/drawingml/2006/main" xmlns:r="http://schemas.openxmlformats.org/officeDocument/2006/relationships" xmlns:p="http://schemas.openxmlformats.org/presentationml/2006/main" type="title" preserve="1">
   <p:cSld name="Title Slide">
@@ -703,7 +619,7 @@
           <a:p>
             <a:fld id="{5378F29C-272C-4B9A-8D80-DE91448D8683}" type="datetimeFigureOut">
               <a:rPr lang="en-GB" smtClean="0"/>
-              <a:t>17/12/2023</a:t>
+              <a:t>04/01/2024</a:t>
             </a:fld>
             <a:endParaRPr lang="en-GB"/>
           </a:p>
@@ -903,7 +819,7 @@
           <a:p>
             <a:fld id="{5378F29C-272C-4B9A-8D80-DE91448D8683}" type="datetimeFigureOut">
               <a:rPr lang="en-GB" smtClean="0"/>
-              <a:t>17/12/2023</a:t>
+              <a:t>04/01/2024</a:t>
             </a:fld>
             <a:endParaRPr lang="en-GB"/>
           </a:p>
@@ -1113,7 +1029,7 @@
           <a:p>
             <a:fld id="{5378F29C-272C-4B9A-8D80-DE91448D8683}" type="datetimeFigureOut">
               <a:rPr lang="en-GB" smtClean="0"/>
-              <a:t>17/12/2023</a:t>
+              <a:t>04/01/2024</a:t>
             </a:fld>
             <a:endParaRPr lang="en-GB"/>
           </a:p>
@@ -1313,7 +1229,7 @@
           <a:p>
             <a:fld id="{5378F29C-272C-4B9A-8D80-DE91448D8683}" type="datetimeFigureOut">
               <a:rPr lang="en-GB" smtClean="0"/>
-              <a:t>17/12/2023</a:t>
+              <a:t>04/01/2024</a:t>
             </a:fld>
             <a:endParaRPr lang="en-GB"/>
           </a:p>
@@ -1589,7 +1505,7 @@
           <a:p>
             <a:fld id="{5378F29C-272C-4B9A-8D80-DE91448D8683}" type="datetimeFigureOut">
               <a:rPr lang="en-GB" smtClean="0"/>
-              <a:t>17/12/2023</a:t>
+              <a:t>04/01/2024</a:t>
             </a:fld>
             <a:endParaRPr lang="en-GB"/>
           </a:p>
@@ -1857,7 +1773,7 @@
           <a:p>
             <a:fld id="{5378F29C-272C-4B9A-8D80-DE91448D8683}" type="datetimeFigureOut">
               <a:rPr lang="en-GB" smtClean="0"/>
-              <a:t>17/12/2023</a:t>
+              <a:t>04/01/2024</a:t>
             </a:fld>
             <a:endParaRPr lang="en-GB"/>
           </a:p>
@@ -2272,7 +2188,7 @@
           <a:p>
             <a:fld id="{5378F29C-272C-4B9A-8D80-DE91448D8683}" type="datetimeFigureOut">
               <a:rPr lang="en-GB" smtClean="0"/>
-              <a:t>17/12/2023</a:t>
+              <a:t>04/01/2024</a:t>
             </a:fld>
             <a:endParaRPr lang="en-GB"/>
           </a:p>
@@ -2414,7 +2330,7 @@
           <a:p>
             <a:fld id="{5378F29C-272C-4B9A-8D80-DE91448D8683}" type="datetimeFigureOut">
               <a:rPr lang="en-GB" smtClean="0"/>
-              <a:t>17/12/2023</a:t>
+              <a:t>04/01/2024</a:t>
             </a:fld>
             <a:endParaRPr lang="en-GB"/>
           </a:p>
@@ -2527,7 +2443,7 @@
           <a:p>
             <a:fld id="{5378F29C-272C-4B9A-8D80-DE91448D8683}" type="datetimeFigureOut">
               <a:rPr lang="en-GB" smtClean="0"/>
-              <a:t>17/12/2023</a:t>
+              <a:t>04/01/2024</a:t>
             </a:fld>
             <a:endParaRPr lang="en-GB"/>
           </a:p>
@@ -2840,7 +2756,7 @@
           <a:p>
             <a:fld id="{5378F29C-272C-4B9A-8D80-DE91448D8683}" type="datetimeFigureOut">
               <a:rPr lang="en-GB" smtClean="0"/>
-              <a:t>17/12/2023</a:t>
+              <a:t>04/01/2024</a:t>
             </a:fld>
             <a:endParaRPr lang="en-GB"/>
           </a:p>
@@ -3129,7 +3045,7 @@
           <a:p>
             <a:fld id="{5378F29C-272C-4B9A-8D80-DE91448D8683}" type="datetimeFigureOut">
               <a:rPr lang="en-GB" smtClean="0"/>
-              <a:t>17/12/2023</a:t>
+              <a:t>04/01/2024</a:t>
             </a:fld>
             <a:endParaRPr lang="en-GB"/>
           </a:p>
@@ -3372,7 +3288,7 @@
           <a:p>
             <a:fld id="{5378F29C-272C-4B9A-8D80-DE91448D8683}" type="datetimeFigureOut">
               <a:rPr lang="en-GB" smtClean="0"/>
-              <a:t>17/12/2023</a:t>
+              <a:t>04/01/2024</a:t>
             </a:fld>
             <a:endParaRPr lang="en-GB"/>
           </a:p>
@@ -3789,42 +3705,156 @@
           <a:chExt cx="0" cy="0"/>
         </a:xfrm>
       </p:grpSpPr>
+      <p:sp>
+        <p:nvSpPr>
+          <p:cNvPr id="3" name="Rectangle: Rounded Corners 2">
+            <a:extLst>
+              <a:ext uri="{FF2B5EF4-FFF2-40B4-BE49-F238E27FC236}">
+                <a16:creationId xmlns:a16="http://schemas.microsoft.com/office/drawing/2014/main" id="{A208FE48-6271-5385-9062-09024E0A8E81}"/>
+              </a:ext>
+            </a:extLst>
+          </p:cNvPr>
+          <p:cNvSpPr/>
+          <p:nvPr/>
+        </p:nvSpPr>
+        <p:spPr>
+          <a:xfrm>
+            <a:off x="4381436" y="90112"/>
+            <a:ext cx="3429128" cy="812034"/>
+          </a:xfrm>
+          <a:prstGeom prst="roundRect">
+            <a:avLst/>
+          </a:prstGeom>
+          <a:blipFill dpi="0" rotWithShape="1">
+            <a:blip r:embed="rId2">
+              <a:extLst>
+                <a:ext uri="{28A0092B-C50C-407E-A947-70E740481C1C}">
+                  <a14:useLocalDpi xmlns:a14="http://schemas.microsoft.com/office/drawing/2010/main" val="0"/>
+                </a:ext>
+                <a:ext uri="{837473B0-CC2E-450A-ABE3-18F120FF3D39}">
+                  <a1611:picAttrSrcUrl xmlns:a1611="http://schemas.microsoft.com/office/drawing/2016/11/main" r:id="rId3"/>
+                </a:ext>
+              </a:extLst>
+            </a:blip>
+            <a:srcRect/>
+            <a:tile tx="0" ty="527050" sx="50000" sy="50000" flip="none" algn="ctr"/>
+          </a:blipFill>
+          <a:ln>
+            <a:noFill/>
+          </a:ln>
+        </p:spPr>
+        <p:style>
+          <a:lnRef idx="2">
+            <a:schemeClr val="accent1">
+              <a:shade val="15000"/>
+            </a:schemeClr>
+          </a:lnRef>
+          <a:fillRef idx="1">
+            <a:schemeClr val="accent1"/>
+          </a:fillRef>
+          <a:effectRef idx="0">
+            <a:schemeClr val="accent1"/>
+          </a:effectRef>
+          <a:fontRef idx="minor">
+            <a:schemeClr val="lt1"/>
+          </a:fontRef>
+        </p:style>
+        <p:txBody>
+          <a:bodyPr rtlCol="0" anchor="ctr"/>
+          <a:lstStyle/>
+          <a:p>
+            <a:pPr algn="ctr"/>
+            <a:r>
+              <a:rPr lang="fr-FR" sz="2005" b="1" dirty="0" err="1"/>
+              <a:t>Experience</a:t>
+            </a:r>
+            <a:r>
+              <a:rPr lang="fr-FR" sz="2005" b="1" dirty="0"/>
+              <a:t> of Reality</a:t>
+            </a:r>
+          </a:p>
+          <a:p>
+            <a:pPr algn="ctr"/>
+            <a:r>
+              <a:rPr lang="fr-FR" sz="1003" i="1" dirty="0" err="1"/>
+              <a:t>Conscious</a:t>
+            </a:r>
+            <a:r>
+              <a:rPr lang="fr-FR" sz="1003" i="1" dirty="0"/>
+              <a:t> and </a:t>
+            </a:r>
+            <a:r>
+              <a:rPr lang="fr-FR" sz="1003" i="1" dirty="0" err="1"/>
+              <a:t>Unconscious</a:t>
+            </a:r>
+            <a:r>
+              <a:rPr lang="fr-FR" sz="1003" i="1" dirty="0"/>
+              <a:t> Feelings and </a:t>
+            </a:r>
+            <a:r>
+              <a:rPr lang="fr-FR" sz="1003" i="1" dirty="0" err="1"/>
+              <a:t>Beliefs</a:t>
+            </a:r>
+            <a:r>
+              <a:rPr lang="fr-FR" sz="1003" i="1" dirty="0"/>
+              <a:t> about Reality</a:t>
+            </a:r>
+            <a:endParaRPr lang="en-GB" sz="1003" i="1" dirty="0"/>
+          </a:p>
+        </p:txBody>
+      </p:sp>
+      <p:cxnSp>
+        <p:nvCxnSpPr>
+          <p:cNvPr id="5" name="Straight Arrow Connector 4">
+            <a:extLst>
+              <a:ext uri="{FF2B5EF4-FFF2-40B4-BE49-F238E27FC236}">
+                <a16:creationId xmlns:a16="http://schemas.microsoft.com/office/drawing/2014/main" id="{9C99575F-0C9A-DE63-2044-D4560AE37317}"/>
+              </a:ext>
+            </a:extLst>
+          </p:cNvPr>
+          <p:cNvCxnSpPr>
+            <a:cxnSpLocks/>
+            <a:stCxn id="2" idx="0"/>
+            <a:endCxn id="3" idx="2"/>
+          </p:cNvCxnSpPr>
+          <p:nvPr/>
+        </p:nvCxnSpPr>
+        <p:spPr>
+          <a:xfrm flipV="1">
+            <a:off x="6096000" y="902145"/>
+            <a:ext cx="0" cy="5053581"/>
+          </a:xfrm>
+          <a:prstGeom prst="straightConnector1">
+            <a:avLst/>
+          </a:prstGeom>
+          <a:ln w="44450">
+            <a:solidFill>
+              <a:schemeClr val="tx1"/>
+            </a:solidFill>
+            <a:tailEnd type="triangle" w="lg" len="lg"/>
+          </a:ln>
+        </p:spPr>
+        <p:style>
+          <a:lnRef idx="1">
+            <a:schemeClr val="accent1"/>
+          </a:lnRef>
+          <a:fillRef idx="0">
+            <a:schemeClr val="accent1"/>
+          </a:fillRef>
+          <a:effectRef idx="0">
+            <a:schemeClr val="accent1"/>
+          </a:effectRef>
+          <a:fontRef idx="minor">
+            <a:schemeClr val="tx1"/>
+          </a:fontRef>
+        </p:style>
+      </p:cxnSp>
       <p:pic>
         <p:nvPicPr>
-          <p:cNvPr id="3" name="Picture 2">
-            <a:extLst>
-              <a:ext uri="{FF2B5EF4-FFF2-40B4-BE49-F238E27FC236}">
-                <a16:creationId xmlns:a16="http://schemas.microsoft.com/office/drawing/2014/main" id="{CCC56F42-8232-D648-306F-3836C3D1945C}"/>
-              </a:ext>
-            </a:extLst>
-          </p:cNvPr>
-          <p:cNvPicPr>
-            <a:picLocks noChangeAspect="1"/>
-          </p:cNvPicPr>
-          <p:nvPr/>
-        </p:nvPicPr>
-        <p:blipFill>
-          <a:blip r:embed="rId3"/>
-          <a:stretch>
-            <a:fillRect/>
-          </a:stretch>
-        </p:blipFill>
-        <p:spPr>
-          <a:xfrm>
-            <a:off x="801190" y="0"/>
-            <a:ext cx="9096099" cy="6858000"/>
-          </a:xfrm>
-          <a:prstGeom prst="rect">
-            <a:avLst/>
-          </a:prstGeom>
-        </p:spPr>
-      </p:pic>
-      <p:pic>
-        <p:nvPicPr>
-          <p:cNvPr id="5" name="Picture 4" descr="A black and white logo&#10;&#10;Description automatically generated">
-            <a:extLst>
-              <a:ext uri="{FF2B5EF4-FFF2-40B4-BE49-F238E27FC236}">
-                <a16:creationId xmlns:a16="http://schemas.microsoft.com/office/drawing/2014/main" id="{75ECA536-4242-5114-4F0B-78F53153097D}"/>
+          <p:cNvPr id="11" name="Picture 10" descr="A logo for a university&#10;&#10;Description automatically generated">
+            <a:extLst>
+              <a:ext uri="{FF2B5EF4-FFF2-40B4-BE49-F238E27FC236}">
+                <a16:creationId xmlns:a16="http://schemas.microsoft.com/office/drawing/2014/main" id="{930748F0-9E8D-2B43-6C04-96415F04A421}"/>
               </a:ext>
             </a:extLst>
           </p:cNvPr>
@@ -3847,8 +3877,8 @@
         </p:blipFill>
         <p:spPr>
           <a:xfrm>
-            <a:off x="10644048" y="0"/>
-            <a:ext cx="1547951" cy="1547951"/>
+            <a:off x="1674229" y="90112"/>
+            <a:ext cx="1405491" cy="638860"/>
           </a:xfrm>
           <a:prstGeom prst="rect">
             <a:avLst/>
@@ -3857,10 +3887,10 @@
       </p:pic>
       <p:sp>
         <p:nvSpPr>
-          <p:cNvPr id="6" name="Oval 5">
-            <a:extLst>
-              <a:ext uri="{FF2B5EF4-FFF2-40B4-BE49-F238E27FC236}">
-                <a16:creationId xmlns:a16="http://schemas.microsoft.com/office/drawing/2014/main" id="{0A2D6BF3-E699-F23E-3451-6F02B70BF051}"/>
+          <p:cNvPr id="12" name="Rectangle 11">
+            <a:extLst>
+              <a:ext uri="{FF2B5EF4-FFF2-40B4-BE49-F238E27FC236}">
+                <a16:creationId xmlns:a16="http://schemas.microsoft.com/office/drawing/2014/main" id="{6FC4AFCC-04FD-9ECC-0851-0B23D308A12B}"/>
               </a:ext>
             </a:extLst>
           </p:cNvPr>
@@ -3869,7 +3899,1727 @@
         </p:nvSpPr>
         <p:spPr>
           <a:xfrm>
-            <a:off x="4373880" y="1371600"/>
+            <a:off x="3822846" y="2842374"/>
+            <a:ext cx="1931141" cy="1173123"/>
+          </a:xfrm>
+          <a:prstGeom prst="rect">
+            <a:avLst/>
+          </a:prstGeom>
+          <a:solidFill>
+            <a:srgbClr val="C00000"/>
+          </a:solidFill>
+          <a:ln>
+            <a:noFill/>
+          </a:ln>
+        </p:spPr>
+        <p:style>
+          <a:lnRef idx="2">
+            <a:schemeClr val="accent1">
+              <a:shade val="15000"/>
+            </a:schemeClr>
+          </a:lnRef>
+          <a:fillRef idx="1">
+            <a:schemeClr val="accent1"/>
+          </a:fillRef>
+          <a:effectRef idx="0">
+            <a:schemeClr val="accent1"/>
+          </a:effectRef>
+          <a:fontRef idx="minor">
+            <a:schemeClr val="lt1"/>
+          </a:fontRef>
+        </p:style>
+        <p:txBody>
+          <a:bodyPr rtlCol="0" anchor="ctr"/>
+          <a:lstStyle/>
+          <a:p>
+            <a:pPr algn="ctr"/>
+            <a:r>
+              <a:rPr lang="fr-FR" sz="2005" b="1" dirty="0" err="1"/>
+              <a:t>Bodily</a:t>
+            </a:r>
+            <a:r>
+              <a:rPr lang="fr-FR" sz="2005" b="1" dirty="0"/>
+              <a:t> </a:t>
+            </a:r>
+            <a:r>
+              <a:rPr lang="fr-FR" sz="2005" b="1" dirty="0" err="1"/>
+              <a:t>Signals</a:t>
+            </a:r>
+            <a:endParaRPr lang="fr-FR" sz="2005" b="1" dirty="0"/>
+          </a:p>
+          <a:p>
+            <a:pPr algn="ctr"/>
+            <a:r>
+              <a:rPr lang="fr-FR" sz="1003" i="1" dirty="0"/>
+              <a:t>Affective </a:t>
+            </a:r>
+            <a:r>
+              <a:rPr lang="fr-FR" sz="1003" i="1" dirty="0" err="1"/>
+              <a:t>reactions</a:t>
+            </a:r>
+            <a:r>
+              <a:rPr lang="fr-FR" sz="1003" i="1" dirty="0"/>
+              <a:t>, </a:t>
+            </a:r>
+          </a:p>
+          <a:p>
+            <a:pPr algn="ctr"/>
+            <a:r>
+              <a:rPr lang="fr-FR" sz="1003" i="1" dirty="0" err="1"/>
+              <a:t>Interoception</a:t>
+            </a:r>
+            <a:r>
+              <a:rPr lang="fr-FR" sz="1003" i="1" dirty="0"/>
+              <a:t>, </a:t>
+            </a:r>
+            <a:r>
+              <a:rPr lang="fr-FR" sz="1003" i="1" dirty="0" err="1"/>
+              <a:t>Embodiment</a:t>
+            </a:r>
+            <a:endParaRPr lang="en-GB" sz="1003" i="1" dirty="0"/>
+          </a:p>
+        </p:txBody>
+      </p:sp>
+      <p:sp>
+        <p:nvSpPr>
+          <p:cNvPr id="13" name="Rectangle 12">
+            <a:extLst>
+              <a:ext uri="{FF2B5EF4-FFF2-40B4-BE49-F238E27FC236}">
+                <a16:creationId xmlns:a16="http://schemas.microsoft.com/office/drawing/2014/main" id="{465EF19F-56E4-D65F-43B3-02A33987D483}"/>
+              </a:ext>
+            </a:extLst>
+          </p:cNvPr>
+          <p:cNvSpPr/>
+          <p:nvPr/>
+        </p:nvSpPr>
+        <p:spPr>
+          <a:xfrm>
+            <a:off x="6437802" y="2842374"/>
+            <a:ext cx="1931141" cy="1173123"/>
+          </a:xfrm>
+          <a:prstGeom prst="rect">
+            <a:avLst/>
+          </a:prstGeom>
+          <a:solidFill>
+            <a:srgbClr val="0070C0"/>
+          </a:solidFill>
+          <a:ln>
+            <a:noFill/>
+          </a:ln>
+        </p:spPr>
+        <p:style>
+          <a:lnRef idx="2">
+            <a:schemeClr val="accent1">
+              <a:shade val="15000"/>
+            </a:schemeClr>
+          </a:lnRef>
+          <a:fillRef idx="1">
+            <a:schemeClr val="accent1"/>
+          </a:fillRef>
+          <a:effectRef idx="0">
+            <a:schemeClr val="accent1"/>
+          </a:effectRef>
+          <a:fontRef idx="minor">
+            <a:schemeClr val="lt1"/>
+          </a:fontRef>
+        </p:style>
+        <p:txBody>
+          <a:bodyPr rtlCol="0" anchor="ctr"/>
+          <a:lstStyle/>
+          <a:p>
+            <a:pPr algn="ctr"/>
+            <a:r>
+              <a:rPr lang="fr-FR" sz="2005" b="1" dirty="0"/>
+              <a:t>Cognitive Control</a:t>
+            </a:r>
+          </a:p>
+          <a:p>
+            <a:pPr algn="ctr"/>
+            <a:r>
+              <a:rPr lang="fr-FR" sz="1003" i="1" dirty="0" err="1"/>
+              <a:t>Executive</a:t>
+            </a:r>
+            <a:r>
+              <a:rPr lang="fr-FR" sz="1003" i="1" dirty="0"/>
+              <a:t> </a:t>
+            </a:r>
+            <a:r>
+              <a:rPr lang="fr-FR" sz="1003" i="1" dirty="0" err="1"/>
+              <a:t>functions</a:t>
+            </a:r>
+            <a:endParaRPr lang="en-GB" sz="1003" i="1" dirty="0"/>
+          </a:p>
+        </p:txBody>
+      </p:sp>
+      <p:grpSp>
+        <p:nvGrpSpPr>
+          <p:cNvPr id="65" name="Group 64">
+            <a:extLst>
+              <a:ext uri="{FF2B5EF4-FFF2-40B4-BE49-F238E27FC236}">
+                <a16:creationId xmlns:a16="http://schemas.microsoft.com/office/drawing/2014/main" id="{20E244C3-E1E5-02DD-AFC2-A82911B17308}"/>
+              </a:ext>
+            </a:extLst>
+          </p:cNvPr>
+          <p:cNvGrpSpPr/>
+          <p:nvPr/>
+        </p:nvGrpSpPr>
+        <p:grpSpPr>
+          <a:xfrm>
+            <a:off x="8712967" y="2142980"/>
+            <a:ext cx="1804804" cy="2571911"/>
+            <a:chOff x="14215900" y="4274552"/>
+            <a:chExt cx="3783921" cy="5130128"/>
+          </a:xfrm>
+        </p:grpSpPr>
+        <p:sp>
+          <p:nvSpPr>
+            <p:cNvPr id="14" name="Rectangle: Rounded Corners 13">
+              <a:extLst>
+                <a:ext uri="{FF2B5EF4-FFF2-40B4-BE49-F238E27FC236}">
+                  <a16:creationId xmlns:a16="http://schemas.microsoft.com/office/drawing/2014/main" id="{0C511ED1-CFA2-6504-6FE0-550165F192C8}"/>
+                </a:ext>
+              </a:extLst>
+            </p:cNvPr>
+            <p:cNvSpPr/>
+            <p:nvPr/>
+          </p:nvSpPr>
+          <p:spPr>
+            <a:xfrm>
+              <a:off x="14215900" y="4274552"/>
+              <a:ext cx="3783921" cy="5130128"/>
+            </a:xfrm>
+            <a:prstGeom prst="roundRect">
+              <a:avLst/>
+            </a:prstGeom>
+            <a:solidFill>
+              <a:schemeClr val="accent6">
+                <a:lumMod val="20000"/>
+                <a:lumOff val="80000"/>
+              </a:schemeClr>
+            </a:solidFill>
+            <a:ln>
+              <a:noFill/>
+            </a:ln>
+          </p:spPr>
+          <p:style>
+            <a:lnRef idx="2">
+              <a:schemeClr val="accent1">
+                <a:shade val="15000"/>
+              </a:schemeClr>
+            </a:lnRef>
+            <a:fillRef idx="1">
+              <a:schemeClr val="accent1"/>
+            </a:fillRef>
+            <a:effectRef idx="0">
+              <a:schemeClr val="accent1"/>
+            </a:effectRef>
+            <a:fontRef idx="minor">
+              <a:schemeClr val="lt1"/>
+            </a:fontRef>
+          </p:style>
+          <p:txBody>
+            <a:bodyPr rtlCol="0" anchor="ctr"/>
+            <a:lstStyle/>
+            <a:p>
+              <a:endParaRPr lang="en-GB" sz="1404" b="1" dirty="0">
+                <a:solidFill>
+                  <a:schemeClr val="tx1"/>
+                </a:solidFill>
+              </a:endParaRPr>
+            </a:p>
+          </p:txBody>
+        </p:sp>
+        <p:sp>
+          <p:nvSpPr>
+            <p:cNvPr id="15" name="Rectangle 14">
+              <a:extLst>
+                <a:ext uri="{FF2B5EF4-FFF2-40B4-BE49-F238E27FC236}">
+                  <a16:creationId xmlns:a16="http://schemas.microsoft.com/office/drawing/2014/main" id="{B2612C13-8DD7-8F95-4A59-8E58A0D83E1A}"/>
+                </a:ext>
+              </a:extLst>
+            </p:cNvPr>
+            <p:cNvSpPr/>
+            <p:nvPr/>
+          </p:nvSpPr>
+          <p:spPr>
+            <a:xfrm>
+              <a:off x="14398649" y="4274552"/>
+              <a:ext cx="3601172" cy="5130128"/>
+            </a:xfrm>
+            <a:prstGeom prst="rect">
+              <a:avLst/>
+            </a:prstGeom>
+            <a:noFill/>
+            <a:ln>
+              <a:noFill/>
+            </a:ln>
+          </p:spPr>
+          <p:style>
+            <a:lnRef idx="2">
+              <a:schemeClr val="accent1">
+                <a:shade val="15000"/>
+              </a:schemeClr>
+            </a:lnRef>
+            <a:fillRef idx="1">
+              <a:schemeClr val="accent1"/>
+            </a:fillRef>
+            <a:effectRef idx="0">
+              <a:schemeClr val="accent1"/>
+            </a:effectRef>
+            <a:fontRef idx="minor">
+              <a:schemeClr val="lt1"/>
+            </a:fontRef>
+          </p:style>
+          <p:txBody>
+            <a:bodyPr rtlCol="0" anchor="ctr"/>
+            <a:lstStyle/>
+            <a:p>
+              <a:r>
+                <a:rPr lang="fr-FR" sz="1404" b="1" dirty="0" err="1">
+                  <a:solidFill>
+                    <a:srgbClr val="00B050"/>
+                  </a:solidFill>
+                </a:rPr>
+                <a:t>Neuropsychological</a:t>
+              </a:r>
+              <a:r>
+                <a:rPr lang="fr-FR" sz="1404" b="1" dirty="0">
+                  <a:solidFill>
+                    <a:srgbClr val="00B050"/>
+                  </a:solidFill>
+                </a:rPr>
+                <a:t> Profile</a:t>
+              </a:r>
+            </a:p>
+            <a:p>
+              <a:endParaRPr lang="fr-FR" sz="1003" b="1" dirty="0">
+                <a:solidFill>
+                  <a:srgbClr val="00B050"/>
+                </a:solidFill>
+              </a:endParaRPr>
+            </a:p>
+            <a:p>
+              <a:r>
+                <a:rPr lang="en-GB" sz="1003" b="1" dirty="0">
+                  <a:solidFill>
+                    <a:srgbClr val="00B050"/>
+                  </a:solidFill>
+                </a:rPr>
+                <a:t>Who are we?</a:t>
+              </a:r>
+            </a:p>
+            <a:p>
+              <a:pPr marL="229194" indent="-229194">
+                <a:buFont typeface="Wingdings" panose="05000000000000000000" pitchFamily="2" charset="2"/>
+                <a:buChar char="ü"/>
+              </a:pPr>
+              <a:r>
+                <a:rPr lang="en-GB" sz="1003" i="1" dirty="0">
+                  <a:solidFill>
+                    <a:srgbClr val="00B050"/>
+                  </a:solidFill>
+                </a:rPr>
+                <a:t>Sense of Self</a:t>
+              </a:r>
+            </a:p>
+            <a:p>
+              <a:pPr marL="229194" indent="-229194">
+                <a:buFont typeface="Wingdings" panose="05000000000000000000" pitchFamily="2" charset="2"/>
+                <a:buChar char="ü"/>
+              </a:pPr>
+              <a:r>
+                <a:rPr lang="en-GB" sz="1003" i="1" dirty="0">
+                  <a:solidFill>
+                    <a:srgbClr val="00B050"/>
+                  </a:solidFill>
+                </a:rPr>
+                <a:t>Core Personality</a:t>
+              </a:r>
+            </a:p>
+            <a:p>
+              <a:pPr marL="229194" indent="-229194">
+                <a:buFont typeface="Wingdings" panose="05000000000000000000" pitchFamily="2" charset="2"/>
+                <a:buChar char="ü"/>
+              </a:pPr>
+              <a:r>
+                <a:rPr lang="en-GB" sz="1003" i="1" dirty="0">
+                  <a:solidFill>
+                    <a:srgbClr val="00B050"/>
+                  </a:solidFill>
+                </a:rPr>
+                <a:t>…</a:t>
+              </a:r>
+            </a:p>
+            <a:p>
+              <a:endParaRPr lang="en-GB" sz="1003" b="1" dirty="0">
+                <a:solidFill>
+                  <a:srgbClr val="00B050"/>
+                </a:solidFill>
+              </a:endParaRPr>
+            </a:p>
+            <a:p>
+              <a:r>
+                <a:rPr lang="en-GB" sz="1003" b="1" dirty="0">
+                  <a:solidFill>
+                    <a:srgbClr val="00B050"/>
+                  </a:solidFill>
+                </a:rPr>
+                <a:t>How to measure it?</a:t>
+              </a:r>
+            </a:p>
+            <a:p>
+              <a:pPr marL="229194" indent="-229194">
+                <a:buFont typeface="Wingdings" panose="05000000000000000000" pitchFamily="2" charset="2"/>
+                <a:buChar char="ü"/>
+              </a:pPr>
+              <a:r>
+                <a:rPr lang="en-GB" sz="1003" i="1" dirty="0">
+                  <a:solidFill>
+                    <a:srgbClr val="00B050"/>
+                  </a:solidFill>
+                </a:rPr>
+                <a:t>Psychometry</a:t>
+              </a:r>
+            </a:p>
+            <a:p>
+              <a:pPr marL="229194" indent="-229194">
+                <a:buFont typeface="Wingdings" panose="05000000000000000000" pitchFamily="2" charset="2"/>
+                <a:buChar char="ü"/>
+              </a:pPr>
+              <a:r>
+                <a:rPr lang="en-GB" sz="1003" i="1" dirty="0">
+                  <a:solidFill>
+                    <a:srgbClr val="00B050"/>
+                  </a:solidFill>
+                </a:rPr>
+                <a:t>Clinical applications</a:t>
+              </a:r>
+            </a:p>
+            <a:p>
+              <a:pPr marL="229194" indent="-229194">
+                <a:buFont typeface="Wingdings" panose="05000000000000000000" pitchFamily="2" charset="2"/>
+                <a:buChar char="ü"/>
+              </a:pPr>
+              <a:r>
+                <a:rPr lang="en-GB" sz="1003" i="1" dirty="0">
+                  <a:solidFill>
+                    <a:srgbClr val="00B050"/>
+                  </a:solidFill>
+                </a:rPr>
+                <a:t>…</a:t>
+              </a:r>
+            </a:p>
+          </p:txBody>
+        </p:sp>
+      </p:grpSp>
+      <p:grpSp>
+        <p:nvGrpSpPr>
+          <p:cNvPr id="64" name="Group 63">
+            <a:extLst>
+              <a:ext uri="{FF2B5EF4-FFF2-40B4-BE49-F238E27FC236}">
+                <a16:creationId xmlns:a16="http://schemas.microsoft.com/office/drawing/2014/main" id="{436259EA-563C-98D5-00A1-6A7A6B2402B3}"/>
+              </a:ext>
+            </a:extLst>
+          </p:cNvPr>
+          <p:cNvGrpSpPr/>
+          <p:nvPr/>
+        </p:nvGrpSpPr>
+        <p:grpSpPr>
+          <a:xfrm>
+            <a:off x="1674229" y="2142980"/>
+            <a:ext cx="1804804" cy="2571911"/>
+            <a:chOff x="0" y="4274552"/>
+            <a:chExt cx="3783921" cy="5130128"/>
+          </a:xfrm>
+        </p:grpSpPr>
+        <p:sp>
+          <p:nvSpPr>
+            <p:cNvPr id="7" name="Rectangle: Rounded Corners 6">
+              <a:extLst>
+                <a:ext uri="{FF2B5EF4-FFF2-40B4-BE49-F238E27FC236}">
+                  <a16:creationId xmlns:a16="http://schemas.microsoft.com/office/drawing/2014/main" id="{8DC71413-4EB8-A986-3AEE-C765FD5F7080}"/>
+                </a:ext>
+              </a:extLst>
+            </p:cNvPr>
+            <p:cNvSpPr/>
+            <p:nvPr/>
+          </p:nvSpPr>
+          <p:spPr>
+            <a:xfrm>
+              <a:off x="0" y="4274552"/>
+              <a:ext cx="3783921" cy="5130128"/>
+            </a:xfrm>
+            <a:prstGeom prst="roundRect">
+              <a:avLst/>
+            </a:prstGeom>
+            <a:solidFill>
+              <a:schemeClr val="accent4">
+                <a:lumMod val="20000"/>
+                <a:lumOff val="80000"/>
+              </a:schemeClr>
+            </a:solidFill>
+            <a:ln>
+              <a:noFill/>
+            </a:ln>
+          </p:spPr>
+          <p:style>
+            <a:lnRef idx="2">
+              <a:schemeClr val="accent1">
+                <a:shade val="15000"/>
+              </a:schemeClr>
+            </a:lnRef>
+            <a:fillRef idx="1">
+              <a:schemeClr val="accent1"/>
+            </a:fillRef>
+            <a:effectRef idx="0">
+              <a:schemeClr val="accent1"/>
+            </a:effectRef>
+            <a:fontRef idx="minor">
+              <a:schemeClr val="lt1"/>
+            </a:fontRef>
+          </p:style>
+          <p:txBody>
+            <a:bodyPr rtlCol="0" anchor="ctr"/>
+            <a:lstStyle/>
+            <a:p>
+              <a:endParaRPr lang="en-GB" sz="1404" b="1" dirty="0">
+                <a:solidFill>
+                  <a:schemeClr val="tx1"/>
+                </a:solidFill>
+              </a:endParaRPr>
+            </a:p>
+          </p:txBody>
+        </p:sp>
+        <p:sp>
+          <p:nvSpPr>
+            <p:cNvPr id="16" name="Rectangle 15">
+              <a:extLst>
+                <a:ext uri="{FF2B5EF4-FFF2-40B4-BE49-F238E27FC236}">
+                  <a16:creationId xmlns:a16="http://schemas.microsoft.com/office/drawing/2014/main" id="{7386CABB-DAF6-B3F7-E008-BE28EAEC6D6D}"/>
+                </a:ext>
+              </a:extLst>
+            </p:cNvPr>
+            <p:cNvSpPr/>
+            <p:nvPr/>
+          </p:nvSpPr>
+          <p:spPr>
+            <a:xfrm>
+              <a:off x="176543" y="4274552"/>
+              <a:ext cx="3607374" cy="5130128"/>
+            </a:xfrm>
+            <a:prstGeom prst="rect">
+              <a:avLst/>
+            </a:prstGeom>
+            <a:noFill/>
+            <a:ln>
+              <a:noFill/>
+            </a:ln>
+          </p:spPr>
+          <p:style>
+            <a:lnRef idx="2">
+              <a:schemeClr val="accent1">
+                <a:shade val="15000"/>
+              </a:schemeClr>
+            </a:lnRef>
+            <a:fillRef idx="1">
+              <a:schemeClr val="accent1"/>
+            </a:fillRef>
+            <a:effectRef idx="0">
+              <a:schemeClr val="accent1"/>
+            </a:effectRef>
+            <a:fontRef idx="minor">
+              <a:schemeClr val="lt1"/>
+            </a:fontRef>
+          </p:style>
+          <p:txBody>
+            <a:bodyPr rtlCol="0" anchor="ctr"/>
+            <a:lstStyle/>
+            <a:p>
+              <a:r>
+                <a:rPr lang="fr-FR" sz="1404" b="1" dirty="0" err="1">
+                  <a:solidFill>
+                    <a:schemeClr val="accent2"/>
+                  </a:solidFill>
+                </a:rPr>
+                <a:t>Metascience</a:t>
+              </a:r>
+              <a:r>
+                <a:rPr lang="fr-FR" sz="1404" b="1" dirty="0">
+                  <a:solidFill>
+                    <a:schemeClr val="accent2"/>
+                  </a:solidFill>
+                </a:rPr>
+                <a:t> </a:t>
+              </a:r>
+            </a:p>
+            <a:p>
+              <a:endParaRPr lang="fr-FR" sz="1003" b="1" dirty="0">
+                <a:solidFill>
+                  <a:schemeClr val="accent2"/>
+                </a:solidFill>
+              </a:endParaRPr>
+            </a:p>
+            <a:p>
+              <a:r>
+                <a:rPr lang="fr-FR" sz="1003" b="1" dirty="0">
+                  <a:solidFill>
+                    <a:schemeClr val="accent2"/>
+                  </a:solidFill>
+                </a:rPr>
+                <a:t>Methods</a:t>
+              </a:r>
+            </a:p>
+            <a:p>
+              <a:pPr marL="229194" indent="-229194">
+                <a:buFont typeface="Arial" panose="020B0604020202020204" pitchFamily="34" charset="0"/>
+                <a:buChar char="•"/>
+              </a:pPr>
+              <a:r>
+                <a:rPr lang="fr-FR" sz="1003" i="1" dirty="0" err="1">
+                  <a:solidFill>
+                    <a:schemeClr val="accent2"/>
+                  </a:solidFill>
+                </a:rPr>
+                <a:t>Improving</a:t>
+              </a:r>
+              <a:r>
+                <a:rPr lang="fr-FR" sz="1003" i="1" dirty="0">
+                  <a:solidFill>
+                    <a:schemeClr val="accent2"/>
+                  </a:solidFill>
+                </a:rPr>
+                <a:t> science</a:t>
+              </a:r>
+            </a:p>
+            <a:p>
+              <a:pPr marL="229194" indent="-229194">
+                <a:buFont typeface="Arial" panose="020B0604020202020204" pitchFamily="34" charset="0"/>
+                <a:buChar char="•"/>
+              </a:pPr>
+              <a:r>
+                <a:rPr lang="fr-FR" sz="1003" i="1" dirty="0" err="1">
+                  <a:solidFill>
+                    <a:schemeClr val="accent2"/>
+                  </a:solidFill>
+                </a:rPr>
+                <a:t>Developping</a:t>
+              </a:r>
+              <a:r>
+                <a:rPr lang="fr-FR" sz="1003" i="1" dirty="0">
+                  <a:solidFill>
+                    <a:schemeClr val="accent2"/>
+                  </a:solidFill>
+                </a:rPr>
+                <a:t> </a:t>
+              </a:r>
+              <a:r>
+                <a:rPr lang="fr-FR" sz="1003" i="1" dirty="0" err="1">
+                  <a:solidFill>
+                    <a:schemeClr val="accent2"/>
+                  </a:solidFill>
+                </a:rPr>
+                <a:t>tools</a:t>
+              </a:r>
+              <a:endParaRPr lang="fr-FR" sz="1003" i="1" dirty="0">
+                <a:solidFill>
+                  <a:schemeClr val="accent2"/>
+                </a:solidFill>
+              </a:endParaRPr>
+            </a:p>
+            <a:p>
+              <a:pPr marL="229194" indent="-229194">
+                <a:buFont typeface="Arial" panose="020B0604020202020204" pitchFamily="34" charset="0"/>
+                <a:buChar char="•"/>
+              </a:pPr>
+              <a:endParaRPr lang="fr-FR" sz="1003" b="1" dirty="0">
+                <a:solidFill>
+                  <a:schemeClr val="accent2"/>
+                </a:solidFill>
+              </a:endParaRPr>
+            </a:p>
+            <a:p>
+              <a:r>
+                <a:rPr lang="en-GB" sz="1003" b="1" dirty="0">
+                  <a:solidFill>
+                    <a:schemeClr val="accent2"/>
+                  </a:solidFill>
+                </a:rPr>
+                <a:t>Context</a:t>
+              </a:r>
+            </a:p>
+            <a:p>
+              <a:pPr marL="229194" indent="-229194">
+                <a:buFont typeface="Arial" panose="020B0604020202020204" pitchFamily="34" charset="0"/>
+                <a:buChar char="•"/>
+              </a:pPr>
+              <a:r>
+                <a:rPr lang="en-GB" sz="1003" i="1" dirty="0">
+                  <a:solidFill>
+                    <a:schemeClr val="accent2"/>
+                  </a:solidFill>
+                </a:rPr>
+                <a:t>History</a:t>
+              </a:r>
+            </a:p>
+            <a:p>
+              <a:pPr marL="229194" indent="-229194">
+                <a:buFont typeface="Arial" panose="020B0604020202020204" pitchFamily="34" charset="0"/>
+                <a:buChar char="•"/>
+              </a:pPr>
+              <a:r>
+                <a:rPr lang="en-GB" sz="1003" i="1" dirty="0">
+                  <a:solidFill>
+                    <a:schemeClr val="accent2"/>
+                  </a:solidFill>
+                </a:rPr>
+                <a:t>Philosophy of science</a:t>
+              </a:r>
+            </a:p>
+            <a:p>
+              <a:endParaRPr lang="en-GB" sz="1404" b="1" dirty="0">
+                <a:solidFill>
+                  <a:schemeClr val="accent2"/>
+                </a:solidFill>
+              </a:endParaRPr>
+            </a:p>
+          </p:txBody>
+        </p:sp>
+      </p:grpSp>
+      <p:cxnSp>
+        <p:nvCxnSpPr>
+          <p:cNvPr id="34" name="Straight Arrow Connector 33">
+            <a:extLst>
+              <a:ext uri="{FF2B5EF4-FFF2-40B4-BE49-F238E27FC236}">
+                <a16:creationId xmlns:a16="http://schemas.microsoft.com/office/drawing/2014/main" id="{FA321B8F-89BD-1828-83F6-B9AC9090E00B}"/>
+              </a:ext>
+            </a:extLst>
+          </p:cNvPr>
+          <p:cNvCxnSpPr>
+            <a:cxnSpLocks/>
+          </p:cNvCxnSpPr>
+          <p:nvPr/>
+        </p:nvCxnSpPr>
+        <p:spPr>
+          <a:xfrm rot="17100000">
+            <a:off x="3853822" y="1880640"/>
+            <a:ext cx="1956991" cy="0"/>
+          </a:xfrm>
+          <a:prstGeom prst="straightConnector1">
+            <a:avLst/>
+          </a:prstGeom>
+          <a:ln w="44450">
+            <a:solidFill>
+              <a:schemeClr val="tx1"/>
+            </a:solidFill>
+            <a:tailEnd type="triangle" w="lg" len="lg"/>
+          </a:ln>
+        </p:spPr>
+        <p:style>
+          <a:lnRef idx="1">
+            <a:schemeClr val="accent1"/>
+          </a:lnRef>
+          <a:fillRef idx="0">
+            <a:schemeClr val="accent1"/>
+          </a:fillRef>
+          <a:effectRef idx="0">
+            <a:schemeClr val="accent1"/>
+          </a:effectRef>
+          <a:fontRef idx="minor">
+            <a:schemeClr val="tx1"/>
+          </a:fontRef>
+        </p:style>
+      </p:cxnSp>
+      <p:cxnSp>
+        <p:nvCxnSpPr>
+          <p:cNvPr id="37" name="Straight Arrow Connector 36">
+            <a:extLst>
+              <a:ext uri="{FF2B5EF4-FFF2-40B4-BE49-F238E27FC236}">
+                <a16:creationId xmlns:a16="http://schemas.microsoft.com/office/drawing/2014/main" id="{80DF55DA-DD13-B3CC-EB27-065C18ED7565}"/>
+              </a:ext>
+            </a:extLst>
+          </p:cNvPr>
+          <p:cNvCxnSpPr>
+            <a:cxnSpLocks/>
+          </p:cNvCxnSpPr>
+          <p:nvPr/>
+        </p:nvCxnSpPr>
+        <p:spPr>
+          <a:xfrm rot="17100000" flipH="1">
+            <a:off x="3832890" y="1946339"/>
+            <a:ext cx="1774978" cy="0"/>
+          </a:xfrm>
+          <a:prstGeom prst="straightConnector1">
+            <a:avLst/>
+          </a:prstGeom>
+          <a:ln w="31750">
+            <a:solidFill>
+              <a:schemeClr val="tx1"/>
+            </a:solidFill>
+            <a:tailEnd type="triangle" w="lg" len="lg"/>
+          </a:ln>
+        </p:spPr>
+        <p:style>
+          <a:lnRef idx="1">
+            <a:schemeClr val="accent1"/>
+          </a:lnRef>
+          <a:fillRef idx="0">
+            <a:schemeClr val="accent1"/>
+          </a:fillRef>
+          <a:effectRef idx="0">
+            <a:schemeClr val="accent1"/>
+          </a:effectRef>
+          <a:fontRef idx="minor">
+            <a:schemeClr val="tx1"/>
+          </a:fontRef>
+        </p:style>
+      </p:cxnSp>
+      <p:cxnSp>
+        <p:nvCxnSpPr>
+          <p:cNvPr id="42" name="Straight Arrow Connector 41">
+            <a:extLst>
+              <a:ext uri="{FF2B5EF4-FFF2-40B4-BE49-F238E27FC236}">
+                <a16:creationId xmlns:a16="http://schemas.microsoft.com/office/drawing/2014/main" id="{0639FD09-5BDB-8BB3-C13F-B6078E47D37E}"/>
+              </a:ext>
+            </a:extLst>
+          </p:cNvPr>
+          <p:cNvCxnSpPr>
+            <a:cxnSpLocks/>
+          </p:cNvCxnSpPr>
+          <p:nvPr/>
+        </p:nvCxnSpPr>
+        <p:spPr>
+          <a:xfrm rot="4500000" flipH="1">
+            <a:off x="6381823" y="1891744"/>
+            <a:ext cx="1956991" cy="0"/>
+          </a:xfrm>
+          <a:prstGeom prst="straightConnector1">
+            <a:avLst/>
+          </a:prstGeom>
+          <a:ln w="44450">
+            <a:solidFill>
+              <a:schemeClr val="tx1"/>
+            </a:solidFill>
+            <a:tailEnd type="triangle" w="lg" len="lg"/>
+          </a:ln>
+        </p:spPr>
+        <p:style>
+          <a:lnRef idx="1">
+            <a:schemeClr val="accent1"/>
+          </a:lnRef>
+          <a:fillRef idx="0">
+            <a:schemeClr val="accent1"/>
+          </a:fillRef>
+          <a:effectRef idx="0">
+            <a:schemeClr val="accent1"/>
+          </a:effectRef>
+          <a:fontRef idx="minor">
+            <a:schemeClr val="tx1"/>
+          </a:fontRef>
+        </p:style>
+      </p:cxnSp>
+      <p:cxnSp>
+        <p:nvCxnSpPr>
+          <p:cNvPr id="43" name="Straight Arrow Connector 42">
+            <a:extLst>
+              <a:ext uri="{FF2B5EF4-FFF2-40B4-BE49-F238E27FC236}">
+                <a16:creationId xmlns:a16="http://schemas.microsoft.com/office/drawing/2014/main" id="{3EDC06A5-9756-5761-6DB4-87B3396C43D4}"/>
+              </a:ext>
+            </a:extLst>
+          </p:cNvPr>
+          <p:cNvCxnSpPr>
+            <a:cxnSpLocks/>
+          </p:cNvCxnSpPr>
+          <p:nvPr/>
+        </p:nvCxnSpPr>
+        <p:spPr>
+          <a:xfrm rot="4500000">
+            <a:off x="6584767" y="1957443"/>
+            <a:ext cx="1774978" cy="0"/>
+          </a:xfrm>
+          <a:prstGeom prst="straightConnector1">
+            <a:avLst/>
+          </a:prstGeom>
+          <a:ln w="31750">
+            <a:solidFill>
+              <a:schemeClr val="tx1"/>
+            </a:solidFill>
+            <a:tailEnd type="triangle" w="lg" len="lg"/>
+          </a:ln>
+        </p:spPr>
+        <p:style>
+          <a:lnRef idx="1">
+            <a:schemeClr val="accent1"/>
+          </a:lnRef>
+          <a:fillRef idx="0">
+            <a:schemeClr val="accent1"/>
+          </a:fillRef>
+          <a:effectRef idx="0">
+            <a:schemeClr val="accent1"/>
+          </a:effectRef>
+          <a:fontRef idx="minor">
+            <a:schemeClr val="tx1"/>
+          </a:fontRef>
+        </p:style>
+      </p:cxnSp>
+      <p:cxnSp>
+        <p:nvCxnSpPr>
+          <p:cNvPr id="50" name="Straight Arrow Connector 49">
+            <a:extLst>
+              <a:ext uri="{FF2B5EF4-FFF2-40B4-BE49-F238E27FC236}">
+                <a16:creationId xmlns:a16="http://schemas.microsoft.com/office/drawing/2014/main" id="{F936FFD5-07F3-5742-4597-CB452CD8E461}"/>
+              </a:ext>
+            </a:extLst>
+          </p:cNvPr>
+          <p:cNvCxnSpPr>
+            <a:cxnSpLocks/>
+          </p:cNvCxnSpPr>
+          <p:nvPr/>
+        </p:nvCxnSpPr>
+        <p:spPr>
+          <a:xfrm rot="17100000">
+            <a:off x="6408413" y="5017625"/>
+            <a:ext cx="1989920" cy="0"/>
+          </a:xfrm>
+          <a:prstGeom prst="straightConnector1">
+            <a:avLst/>
+          </a:prstGeom>
+          <a:ln w="44450">
+            <a:solidFill>
+              <a:schemeClr val="tx1"/>
+            </a:solidFill>
+            <a:tailEnd type="triangle" w="lg" len="lg"/>
+          </a:ln>
+        </p:spPr>
+        <p:style>
+          <a:lnRef idx="1">
+            <a:schemeClr val="accent1"/>
+          </a:lnRef>
+          <a:fillRef idx="0">
+            <a:schemeClr val="accent1"/>
+          </a:fillRef>
+          <a:effectRef idx="0">
+            <a:schemeClr val="accent1"/>
+          </a:effectRef>
+          <a:fontRef idx="minor">
+            <a:schemeClr val="tx1"/>
+          </a:fontRef>
+        </p:style>
+      </p:cxnSp>
+      <p:cxnSp>
+        <p:nvCxnSpPr>
+          <p:cNvPr id="51" name="Straight Arrow Connector 50">
+            <a:extLst>
+              <a:ext uri="{FF2B5EF4-FFF2-40B4-BE49-F238E27FC236}">
+                <a16:creationId xmlns:a16="http://schemas.microsoft.com/office/drawing/2014/main" id="{76BF3827-FDE8-D62D-EFBB-3385D1B09F70}"/>
+              </a:ext>
+            </a:extLst>
+          </p:cNvPr>
+          <p:cNvCxnSpPr>
+            <a:cxnSpLocks/>
+          </p:cNvCxnSpPr>
+          <p:nvPr/>
+        </p:nvCxnSpPr>
+        <p:spPr>
+          <a:xfrm rot="4500000" flipH="1">
+            <a:off x="3793668" y="5017625"/>
+            <a:ext cx="1989920" cy="0"/>
+          </a:xfrm>
+          <a:prstGeom prst="straightConnector1">
+            <a:avLst/>
+          </a:prstGeom>
+          <a:ln w="44450">
+            <a:solidFill>
+              <a:schemeClr val="tx1"/>
+            </a:solidFill>
+            <a:tailEnd type="triangle" w="lg" len="lg"/>
+          </a:ln>
+        </p:spPr>
+        <p:style>
+          <a:lnRef idx="1">
+            <a:schemeClr val="accent1"/>
+          </a:lnRef>
+          <a:fillRef idx="0">
+            <a:schemeClr val="accent1"/>
+          </a:fillRef>
+          <a:effectRef idx="0">
+            <a:schemeClr val="accent1"/>
+          </a:effectRef>
+          <a:fontRef idx="minor">
+            <a:schemeClr val="tx1"/>
+          </a:fontRef>
+        </p:style>
+      </p:cxnSp>
+      <p:sp>
+        <p:nvSpPr>
+          <p:cNvPr id="52" name="Rectangle 51">
+            <a:extLst>
+              <a:ext uri="{FF2B5EF4-FFF2-40B4-BE49-F238E27FC236}">
+                <a16:creationId xmlns:a16="http://schemas.microsoft.com/office/drawing/2014/main" id="{DE25B793-A56A-CE23-9D51-6D3676F5D0C1}"/>
+              </a:ext>
+            </a:extLst>
+          </p:cNvPr>
+          <p:cNvSpPr/>
+          <p:nvPr/>
+        </p:nvSpPr>
+        <p:spPr>
+          <a:xfrm>
+            <a:off x="7516634" y="4116948"/>
+            <a:ext cx="1173123" cy="541441"/>
+          </a:xfrm>
+          <a:prstGeom prst="rect">
+            <a:avLst/>
+          </a:prstGeom>
+          <a:noFill/>
+          <a:ln>
+            <a:noFill/>
+          </a:ln>
+        </p:spPr>
+        <p:style>
+          <a:lnRef idx="2">
+            <a:schemeClr val="accent1">
+              <a:shade val="15000"/>
+            </a:schemeClr>
+          </a:lnRef>
+          <a:fillRef idx="1">
+            <a:schemeClr val="accent1"/>
+          </a:fillRef>
+          <a:effectRef idx="0">
+            <a:schemeClr val="accent1"/>
+          </a:effectRef>
+          <a:fontRef idx="minor">
+            <a:schemeClr val="lt1"/>
+          </a:fontRef>
+        </p:style>
+        <p:txBody>
+          <a:bodyPr rtlCol="0" anchor="ctr"/>
+          <a:lstStyle/>
+          <a:p>
+            <a:pPr algn="ctr"/>
+            <a:r>
+              <a:rPr lang="fr-FR" sz="902" b="1" dirty="0" err="1">
+                <a:solidFill>
+                  <a:srgbClr val="00B050"/>
+                </a:solidFill>
+              </a:rPr>
+              <a:t>DoggoNogo</a:t>
+            </a:r>
+            <a:endParaRPr lang="en-GB" sz="902" b="1" dirty="0">
+              <a:solidFill>
+                <a:srgbClr val="00B050"/>
+              </a:solidFill>
+            </a:endParaRPr>
+          </a:p>
+        </p:txBody>
+      </p:sp>
+      <p:sp>
+        <p:nvSpPr>
+          <p:cNvPr id="53" name="Rectangle 52">
+            <a:extLst>
+              <a:ext uri="{FF2B5EF4-FFF2-40B4-BE49-F238E27FC236}">
+                <a16:creationId xmlns:a16="http://schemas.microsoft.com/office/drawing/2014/main" id="{0E479793-BED9-737C-9306-84E421199C5C}"/>
+              </a:ext>
+            </a:extLst>
+          </p:cNvPr>
+          <p:cNvSpPr/>
+          <p:nvPr/>
+        </p:nvSpPr>
+        <p:spPr>
+          <a:xfrm>
+            <a:off x="4511477" y="4116948"/>
+            <a:ext cx="1173123" cy="541441"/>
+          </a:xfrm>
+          <a:prstGeom prst="rect">
+            <a:avLst/>
+          </a:prstGeom>
+          <a:noFill/>
+          <a:ln>
+            <a:noFill/>
+          </a:ln>
+        </p:spPr>
+        <p:style>
+          <a:lnRef idx="2">
+            <a:schemeClr val="accent1">
+              <a:shade val="15000"/>
+            </a:schemeClr>
+          </a:lnRef>
+          <a:fillRef idx="1">
+            <a:schemeClr val="accent1"/>
+          </a:fillRef>
+          <a:effectRef idx="0">
+            <a:schemeClr val="accent1"/>
+          </a:effectRef>
+          <a:fontRef idx="minor">
+            <a:schemeClr val="lt1"/>
+          </a:fontRef>
+        </p:style>
+        <p:txBody>
+          <a:bodyPr rtlCol="0" anchor="ctr"/>
+          <a:lstStyle/>
+          <a:p>
+            <a:pPr algn="ctr"/>
+            <a:r>
+              <a:rPr lang="fr-FR" sz="902" b="1" dirty="0" err="1">
+                <a:solidFill>
+                  <a:srgbClr val="00B050"/>
+                </a:solidFill>
+              </a:rPr>
+              <a:t>Interoception</a:t>
+            </a:r>
+            <a:r>
+              <a:rPr lang="fr-FR" sz="902" b="1" dirty="0">
+                <a:solidFill>
+                  <a:srgbClr val="00B050"/>
+                </a:solidFill>
+              </a:rPr>
+              <a:t> </a:t>
+            </a:r>
+            <a:r>
+              <a:rPr lang="fr-FR" sz="902" b="1" dirty="0" err="1">
+                <a:solidFill>
+                  <a:srgbClr val="00B050"/>
+                </a:solidFill>
+              </a:rPr>
+              <a:t>Assessment</a:t>
+            </a:r>
+            <a:endParaRPr lang="fr-FR" sz="902" b="1" dirty="0">
+              <a:solidFill>
+                <a:srgbClr val="00B050"/>
+              </a:solidFill>
+            </a:endParaRPr>
+          </a:p>
+        </p:txBody>
+      </p:sp>
+      <p:sp>
+        <p:nvSpPr>
+          <p:cNvPr id="54" name="Rectangle 53">
+            <a:extLst>
+              <a:ext uri="{FF2B5EF4-FFF2-40B4-BE49-F238E27FC236}">
+                <a16:creationId xmlns:a16="http://schemas.microsoft.com/office/drawing/2014/main" id="{1071EEE2-5A3B-5504-A2B1-C32024E1A231}"/>
+              </a:ext>
+            </a:extLst>
+          </p:cNvPr>
+          <p:cNvSpPr/>
+          <p:nvPr/>
+        </p:nvSpPr>
+        <p:spPr>
+          <a:xfrm>
+            <a:off x="6057550" y="4116948"/>
+            <a:ext cx="1173123" cy="541441"/>
+          </a:xfrm>
+          <a:prstGeom prst="rect">
+            <a:avLst/>
+          </a:prstGeom>
+          <a:noFill/>
+          <a:ln>
+            <a:noFill/>
+          </a:ln>
+        </p:spPr>
+        <p:style>
+          <a:lnRef idx="2">
+            <a:schemeClr val="accent1">
+              <a:shade val="15000"/>
+            </a:schemeClr>
+          </a:lnRef>
+          <a:fillRef idx="1">
+            <a:schemeClr val="accent1"/>
+          </a:fillRef>
+          <a:effectRef idx="0">
+            <a:schemeClr val="accent1"/>
+          </a:effectRef>
+          <a:fontRef idx="minor">
+            <a:schemeClr val="lt1"/>
+          </a:fontRef>
+        </p:style>
+        <p:txBody>
+          <a:bodyPr rtlCol="0" anchor="ctr"/>
+          <a:lstStyle/>
+          <a:p>
+            <a:pPr algn="ctr"/>
+            <a:r>
+              <a:rPr lang="fr-FR" sz="902" b="1" dirty="0">
+                <a:solidFill>
+                  <a:srgbClr val="00B050"/>
+                </a:solidFill>
+              </a:rPr>
+              <a:t>Emotion </a:t>
+            </a:r>
+            <a:r>
+              <a:rPr lang="fr-FR" sz="902" b="1" dirty="0" err="1">
+                <a:solidFill>
+                  <a:srgbClr val="00B050"/>
+                </a:solidFill>
+              </a:rPr>
+              <a:t>Regulation</a:t>
+            </a:r>
+            <a:r>
+              <a:rPr lang="fr-FR" sz="902" b="1" dirty="0">
+                <a:solidFill>
+                  <a:srgbClr val="00B050"/>
+                </a:solidFill>
+              </a:rPr>
+              <a:t> </a:t>
+            </a:r>
+            <a:r>
+              <a:rPr lang="fr-FR" sz="902" b="1" dirty="0" err="1">
+                <a:solidFill>
+                  <a:srgbClr val="00B050"/>
+                </a:solidFill>
+              </a:rPr>
+              <a:t>Task</a:t>
+            </a:r>
+            <a:endParaRPr lang="en-GB" sz="902" b="1" dirty="0">
+              <a:solidFill>
+                <a:srgbClr val="00B050"/>
+              </a:solidFill>
+            </a:endParaRPr>
+          </a:p>
+        </p:txBody>
+      </p:sp>
+      <p:sp>
+        <p:nvSpPr>
+          <p:cNvPr id="55" name="Rectangle 54">
+            <a:extLst>
+              <a:ext uri="{FF2B5EF4-FFF2-40B4-BE49-F238E27FC236}">
+                <a16:creationId xmlns:a16="http://schemas.microsoft.com/office/drawing/2014/main" id="{A5F439D6-295A-A1E7-6C41-C80DE4E122C8}"/>
+              </a:ext>
+            </a:extLst>
+          </p:cNvPr>
+          <p:cNvSpPr/>
+          <p:nvPr/>
+        </p:nvSpPr>
+        <p:spPr>
+          <a:xfrm>
+            <a:off x="4886782" y="1302703"/>
+            <a:ext cx="1173123" cy="541441"/>
+          </a:xfrm>
+          <a:prstGeom prst="rect">
+            <a:avLst/>
+          </a:prstGeom>
+          <a:noFill/>
+          <a:ln>
+            <a:noFill/>
+          </a:ln>
+        </p:spPr>
+        <p:style>
+          <a:lnRef idx="2">
+            <a:schemeClr val="accent1">
+              <a:shade val="15000"/>
+            </a:schemeClr>
+          </a:lnRef>
+          <a:fillRef idx="1">
+            <a:schemeClr val="accent1"/>
+          </a:fillRef>
+          <a:effectRef idx="0">
+            <a:schemeClr val="accent1"/>
+          </a:effectRef>
+          <a:fontRef idx="minor">
+            <a:schemeClr val="lt1"/>
+          </a:fontRef>
+        </p:style>
+        <p:txBody>
+          <a:bodyPr rtlCol="0" anchor="ctr"/>
+          <a:lstStyle/>
+          <a:p>
+            <a:pPr algn="ctr"/>
+            <a:r>
+              <a:rPr lang="fr-FR" sz="902" dirty="0" err="1">
+                <a:solidFill>
+                  <a:schemeClr val="tx1"/>
+                </a:solidFill>
+              </a:rPr>
+              <a:t>PrimalsInteroception</a:t>
+            </a:r>
+            <a:endParaRPr lang="en-GB" sz="902" dirty="0">
+              <a:solidFill>
+                <a:schemeClr val="tx1"/>
+              </a:solidFill>
+            </a:endParaRPr>
+          </a:p>
+        </p:txBody>
+      </p:sp>
+      <p:sp>
+        <p:nvSpPr>
+          <p:cNvPr id="56" name="Rectangle 55">
+            <a:extLst>
+              <a:ext uri="{FF2B5EF4-FFF2-40B4-BE49-F238E27FC236}">
+                <a16:creationId xmlns:a16="http://schemas.microsoft.com/office/drawing/2014/main" id="{103E5F97-6806-5837-C86F-3EC725E7B193}"/>
+              </a:ext>
+            </a:extLst>
+          </p:cNvPr>
+          <p:cNvSpPr/>
+          <p:nvPr/>
+        </p:nvSpPr>
+        <p:spPr>
+          <a:xfrm>
+            <a:off x="4513575" y="1743406"/>
+            <a:ext cx="1173123" cy="541441"/>
+          </a:xfrm>
+          <a:prstGeom prst="rect">
+            <a:avLst/>
+          </a:prstGeom>
+          <a:noFill/>
+          <a:ln>
+            <a:noFill/>
+          </a:ln>
+        </p:spPr>
+        <p:style>
+          <a:lnRef idx="2">
+            <a:schemeClr val="accent1">
+              <a:shade val="15000"/>
+            </a:schemeClr>
+          </a:lnRef>
+          <a:fillRef idx="1">
+            <a:schemeClr val="accent1"/>
+          </a:fillRef>
+          <a:effectRef idx="0">
+            <a:schemeClr val="accent1"/>
+          </a:effectRef>
+          <a:fontRef idx="minor">
+            <a:schemeClr val="lt1"/>
+          </a:fontRef>
+        </p:style>
+        <p:txBody>
+          <a:bodyPr rtlCol="0" anchor="ctr"/>
+          <a:lstStyle/>
+          <a:p>
+            <a:pPr algn="ctr"/>
+            <a:r>
+              <a:rPr lang="fr-FR" sz="902" dirty="0" err="1">
+                <a:solidFill>
+                  <a:schemeClr val="tx1"/>
+                </a:solidFill>
+              </a:rPr>
+              <a:t>FakeNews</a:t>
+            </a:r>
+            <a:endParaRPr lang="en-GB" sz="902" dirty="0">
+              <a:solidFill>
+                <a:schemeClr val="tx1"/>
+              </a:solidFill>
+            </a:endParaRPr>
+          </a:p>
+        </p:txBody>
+      </p:sp>
+      <p:sp>
+        <p:nvSpPr>
+          <p:cNvPr id="57" name="Rectangle 56">
+            <a:extLst>
+              <a:ext uri="{FF2B5EF4-FFF2-40B4-BE49-F238E27FC236}">
+                <a16:creationId xmlns:a16="http://schemas.microsoft.com/office/drawing/2014/main" id="{2271EFC9-10A0-F1A3-03F1-72E9CACDE12A}"/>
+              </a:ext>
+            </a:extLst>
+          </p:cNvPr>
+          <p:cNvSpPr/>
+          <p:nvPr/>
+        </p:nvSpPr>
+        <p:spPr>
+          <a:xfrm>
+            <a:off x="3815807" y="1572234"/>
+            <a:ext cx="1173123" cy="541441"/>
+          </a:xfrm>
+          <a:prstGeom prst="rect">
+            <a:avLst/>
+          </a:prstGeom>
+          <a:noFill/>
+          <a:ln>
+            <a:noFill/>
+          </a:ln>
+        </p:spPr>
+        <p:style>
+          <a:lnRef idx="2">
+            <a:schemeClr val="accent1">
+              <a:shade val="15000"/>
+            </a:schemeClr>
+          </a:lnRef>
+          <a:fillRef idx="1">
+            <a:schemeClr val="accent1"/>
+          </a:fillRef>
+          <a:effectRef idx="0">
+            <a:schemeClr val="accent1"/>
+          </a:effectRef>
+          <a:fontRef idx="minor">
+            <a:schemeClr val="lt1"/>
+          </a:fontRef>
+        </p:style>
+        <p:txBody>
+          <a:bodyPr rtlCol="0" anchor="ctr"/>
+          <a:lstStyle/>
+          <a:p>
+            <a:pPr algn="ctr"/>
+            <a:r>
+              <a:rPr lang="fr-FR" sz="902" dirty="0" err="1">
+                <a:solidFill>
+                  <a:schemeClr val="tx1"/>
+                </a:solidFill>
+              </a:rPr>
+              <a:t>FictionEro</a:t>
+            </a:r>
+            <a:endParaRPr lang="en-GB" sz="902" dirty="0">
+              <a:solidFill>
+                <a:schemeClr val="tx1"/>
+              </a:solidFill>
+            </a:endParaRPr>
+          </a:p>
+        </p:txBody>
+      </p:sp>
+      <p:sp>
+        <p:nvSpPr>
+          <p:cNvPr id="58" name="Rectangle 57">
+            <a:extLst>
+              <a:ext uri="{FF2B5EF4-FFF2-40B4-BE49-F238E27FC236}">
+                <a16:creationId xmlns:a16="http://schemas.microsoft.com/office/drawing/2014/main" id="{B23562F7-CF93-3954-DA80-F6969D173983}"/>
+              </a:ext>
+            </a:extLst>
+          </p:cNvPr>
+          <p:cNvSpPr/>
+          <p:nvPr/>
+        </p:nvSpPr>
+        <p:spPr>
+          <a:xfrm>
+            <a:off x="3509889" y="2430301"/>
+            <a:ext cx="1173123" cy="541441"/>
+          </a:xfrm>
+          <a:prstGeom prst="rect">
+            <a:avLst/>
+          </a:prstGeom>
+          <a:noFill/>
+          <a:ln>
+            <a:noFill/>
+          </a:ln>
+        </p:spPr>
+        <p:style>
+          <a:lnRef idx="2">
+            <a:schemeClr val="accent1">
+              <a:shade val="15000"/>
+            </a:schemeClr>
+          </a:lnRef>
+          <a:fillRef idx="1">
+            <a:schemeClr val="accent1"/>
+          </a:fillRef>
+          <a:effectRef idx="0">
+            <a:schemeClr val="accent1"/>
+          </a:effectRef>
+          <a:fontRef idx="minor">
+            <a:schemeClr val="lt1"/>
+          </a:fontRef>
+        </p:style>
+        <p:txBody>
+          <a:bodyPr rtlCol="0" anchor="ctr"/>
+          <a:lstStyle/>
+          <a:p>
+            <a:pPr algn="ctr"/>
+            <a:r>
+              <a:rPr lang="fr-FR" sz="902" b="1" dirty="0" err="1">
+                <a:solidFill>
+                  <a:schemeClr val="accent2"/>
+                </a:solidFill>
+              </a:rPr>
+              <a:t>NeuroKit</a:t>
+            </a:r>
+            <a:endParaRPr lang="en-GB" sz="902" b="1" dirty="0">
+              <a:solidFill>
+                <a:schemeClr val="accent2"/>
+              </a:solidFill>
+            </a:endParaRPr>
+          </a:p>
+        </p:txBody>
+      </p:sp>
+      <p:sp>
+        <p:nvSpPr>
+          <p:cNvPr id="59" name="Rectangle 58">
+            <a:extLst>
+              <a:ext uri="{FF2B5EF4-FFF2-40B4-BE49-F238E27FC236}">
+                <a16:creationId xmlns:a16="http://schemas.microsoft.com/office/drawing/2014/main" id="{6973D01A-0236-AE14-74C0-C62148322544}"/>
+              </a:ext>
+            </a:extLst>
+          </p:cNvPr>
+          <p:cNvSpPr/>
+          <p:nvPr/>
+        </p:nvSpPr>
+        <p:spPr>
+          <a:xfrm>
+            <a:off x="7472256" y="1570401"/>
+            <a:ext cx="1173123" cy="541441"/>
+          </a:xfrm>
+          <a:prstGeom prst="rect">
+            <a:avLst/>
+          </a:prstGeom>
+          <a:noFill/>
+          <a:ln>
+            <a:noFill/>
+          </a:ln>
+        </p:spPr>
+        <p:style>
+          <a:lnRef idx="2">
+            <a:schemeClr val="accent1">
+              <a:shade val="15000"/>
+            </a:schemeClr>
+          </a:lnRef>
+          <a:fillRef idx="1">
+            <a:schemeClr val="accent1"/>
+          </a:fillRef>
+          <a:effectRef idx="0">
+            <a:schemeClr val="accent1"/>
+          </a:effectRef>
+          <a:fontRef idx="minor">
+            <a:schemeClr val="lt1"/>
+          </a:fontRef>
+        </p:style>
+        <p:txBody>
+          <a:bodyPr rtlCol="0" anchor="ctr"/>
+          <a:lstStyle/>
+          <a:p>
+            <a:pPr algn="ctr"/>
+            <a:r>
+              <a:rPr lang="fr-FR" sz="902" b="1" dirty="0" err="1">
+                <a:solidFill>
+                  <a:schemeClr val="accent2"/>
+                </a:solidFill>
+              </a:rPr>
+              <a:t>Pyllusion</a:t>
+            </a:r>
+            <a:endParaRPr lang="en-GB" sz="902" b="1" dirty="0">
+              <a:solidFill>
+                <a:schemeClr val="accent2"/>
+              </a:solidFill>
+            </a:endParaRPr>
+          </a:p>
+        </p:txBody>
+      </p:sp>
+      <p:sp>
+        <p:nvSpPr>
+          <p:cNvPr id="60" name="Rectangle 59">
+            <a:extLst>
+              <a:ext uri="{FF2B5EF4-FFF2-40B4-BE49-F238E27FC236}">
+                <a16:creationId xmlns:a16="http://schemas.microsoft.com/office/drawing/2014/main" id="{79FC4B9C-53C1-81BA-24B8-120CD28FFF3A}"/>
+              </a:ext>
+            </a:extLst>
+          </p:cNvPr>
+          <p:cNvSpPr/>
+          <p:nvPr/>
+        </p:nvSpPr>
+        <p:spPr>
+          <a:xfrm>
+            <a:off x="7246684" y="1359561"/>
+            <a:ext cx="1173123" cy="541441"/>
+          </a:xfrm>
+          <a:prstGeom prst="rect">
+            <a:avLst/>
+          </a:prstGeom>
+          <a:noFill/>
+          <a:ln>
+            <a:noFill/>
+          </a:ln>
+        </p:spPr>
+        <p:style>
+          <a:lnRef idx="2">
+            <a:schemeClr val="accent1">
+              <a:shade val="15000"/>
+            </a:schemeClr>
+          </a:lnRef>
+          <a:fillRef idx="1">
+            <a:schemeClr val="accent1"/>
+          </a:fillRef>
+          <a:effectRef idx="0">
+            <a:schemeClr val="accent1"/>
+          </a:effectRef>
+          <a:fontRef idx="minor">
+            <a:schemeClr val="lt1"/>
+          </a:fontRef>
+        </p:style>
+        <p:txBody>
+          <a:bodyPr rtlCol="0" anchor="ctr"/>
+          <a:lstStyle/>
+          <a:p>
+            <a:pPr algn="ctr"/>
+            <a:r>
+              <a:rPr lang="fr-FR" sz="902" b="1" dirty="0" err="1">
+                <a:solidFill>
+                  <a:srgbClr val="00B050"/>
+                </a:solidFill>
+              </a:rPr>
+              <a:t>IllusionGame</a:t>
+            </a:r>
+            <a:endParaRPr lang="en-GB" sz="902" b="1" dirty="0">
+              <a:solidFill>
+                <a:srgbClr val="00B050"/>
+              </a:solidFill>
+            </a:endParaRPr>
+          </a:p>
+        </p:txBody>
+      </p:sp>
+      <p:sp>
+        <p:nvSpPr>
+          <p:cNvPr id="61" name="Rectangle 60">
+            <a:extLst>
+              <a:ext uri="{FF2B5EF4-FFF2-40B4-BE49-F238E27FC236}">
+                <a16:creationId xmlns:a16="http://schemas.microsoft.com/office/drawing/2014/main" id="{F7B0FE60-2CB3-D757-B860-32DE5503AE22}"/>
+              </a:ext>
+            </a:extLst>
+          </p:cNvPr>
+          <p:cNvSpPr/>
+          <p:nvPr/>
+        </p:nvSpPr>
+        <p:spPr>
+          <a:xfrm>
+            <a:off x="4375400" y="2149906"/>
+            <a:ext cx="1173123" cy="541441"/>
+          </a:xfrm>
+          <a:prstGeom prst="rect">
+            <a:avLst/>
+          </a:prstGeom>
+          <a:noFill/>
+          <a:ln>
+            <a:noFill/>
+          </a:ln>
+        </p:spPr>
+        <p:style>
+          <a:lnRef idx="2">
+            <a:schemeClr val="accent1">
+              <a:shade val="15000"/>
+            </a:schemeClr>
+          </a:lnRef>
+          <a:fillRef idx="1">
+            <a:schemeClr val="accent1"/>
+          </a:fillRef>
+          <a:effectRef idx="0">
+            <a:schemeClr val="accent1"/>
+          </a:effectRef>
+          <a:fontRef idx="minor">
+            <a:schemeClr val="lt1"/>
+          </a:fontRef>
+        </p:style>
+        <p:txBody>
+          <a:bodyPr rtlCol="0" anchor="ctr"/>
+          <a:lstStyle/>
+          <a:p>
+            <a:pPr algn="ctr"/>
+            <a:r>
+              <a:rPr lang="fr-FR" sz="902" dirty="0">
+                <a:solidFill>
+                  <a:schemeClr val="tx1"/>
+                </a:solidFill>
+              </a:rPr>
+              <a:t>Avengers</a:t>
+            </a:r>
+            <a:endParaRPr lang="en-GB" sz="902" dirty="0">
+              <a:solidFill>
+                <a:schemeClr val="tx1"/>
+              </a:solidFill>
+            </a:endParaRPr>
+          </a:p>
+        </p:txBody>
+      </p:sp>
+      <p:sp>
+        <p:nvSpPr>
+          <p:cNvPr id="2" name="Rectangle: Rounded Corners 1">
+            <a:extLst>
+              <a:ext uri="{FF2B5EF4-FFF2-40B4-BE49-F238E27FC236}">
+                <a16:creationId xmlns:a16="http://schemas.microsoft.com/office/drawing/2014/main" id="{D0035002-B4E1-D0F7-BA14-E4E389087072}"/>
+              </a:ext>
+            </a:extLst>
+          </p:cNvPr>
+          <p:cNvSpPr/>
+          <p:nvPr/>
+        </p:nvSpPr>
+        <p:spPr>
+          <a:xfrm>
+            <a:off x="4381436" y="5955726"/>
+            <a:ext cx="3429128" cy="812162"/>
+          </a:xfrm>
+          <a:prstGeom prst="roundRect">
+            <a:avLst/>
+          </a:prstGeom>
+          <a:blipFill dpi="0" rotWithShape="1">
+            <a:blip r:embed="rId5">
+              <a:extLst>
+                <a:ext uri="{BEBA8EAE-BF5A-486C-A8C5-ECC9F3942E4B}">
+                  <a14:imgProps xmlns:a14="http://schemas.microsoft.com/office/drawing/2010/main">
+                    <a14:imgLayer r:embed="rId6">
+                      <a14:imgEffect>
+                        <a14:brightnessContrast bright="-10000"/>
+                      </a14:imgEffect>
+                    </a14:imgLayer>
+                  </a14:imgProps>
+                </a:ext>
+                <a:ext uri="{28A0092B-C50C-407E-A947-70E740481C1C}">
+                  <a14:useLocalDpi xmlns:a14="http://schemas.microsoft.com/office/drawing/2010/main" val="0"/>
+                </a:ext>
+                <a:ext uri="{837473B0-CC2E-450A-ABE3-18F120FF3D39}">
+                  <a1611:picAttrSrcUrl xmlns:a1611="http://schemas.microsoft.com/office/drawing/2016/11/main" r:id="rId7"/>
+                </a:ext>
+              </a:extLst>
+            </a:blip>
+            <a:srcRect/>
+            <a:tile tx="0" ty="-304800" sx="100000" sy="100000" flip="none" algn="ctr"/>
+          </a:blipFill>
+          <a:ln>
+            <a:noFill/>
+          </a:ln>
+        </p:spPr>
+        <p:style>
+          <a:lnRef idx="2">
+            <a:schemeClr val="accent1">
+              <a:shade val="15000"/>
+            </a:schemeClr>
+          </a:lnRef>
+          <a:fillRef idx="1">
+            <a:schemeClr val="accent1"/>
+          </a:fillRef>
+          <a:effectRef idx="0">
+            <a:schemeClr val="accent1"/>
+          </a:effectRef>
+          <a:fontRef idx="minor">
+            <a:schemeClr val="lt1"/>
+          </a:fontRef>
+        </p:style>
+        <p:txBody>
+          <a:bodyPr rtlCol="0" anchor="ctr"/>
+          <a:lstStyle/>
+          <a:p>
+            <a:pPr algn="ctr"/>
+            <a:r>
+              <a:rPr lang="fr-FR" sz="2005" b="1" dirty="0" err="1"/>
+              <a:t>Willpower</a:t>
+            </a:r>
+            <a:endParaRPr lang="fr-FR" sz="2005" b="1" dirty="0"/>
+          </a:p>
+          <a:p>
+            <a:pPr algn="ctr"/>
+            <a:r>
+              <a:rPr lang="fr-FR" sz="1003" i="1" dirty="0" err="1"/>
+              <a:t>Voluntary</a:t>
+            </a:r>
+            <a:r>
+              <a:rPr lang="fr-FR" sz="1003" i="1" dirty="0"/>
+              <a:t> control of </a:t>
+            </a:r>
+            <a:r>
+              <a:rPr lang="fr-FR" sz="1003" i="1" dirty="0" err="1"/>
+              <a:t>oneself</a:t>
+            </a:r>
+            <a:r>
+              <a:rPr lang="fr-FR" sz="2005" b="1" dirty="0"/>
+              <a:t> </a:t>
+            </a:r>
+            <a:endParaRPr lang="en-GB" sz="2005" b="1" dirty="0"/>
+          </a:p>
+        </p:txBody>
+      </p:sp>
+      <p:sp>
+        <p:nvSpPr>
+          <p:cNvPr id="4" name="Oval 3">
+            <a:extLst>
+              <a:ext uri="{FF2B5EF4-FFF2-40B4-BE49-F238E27FC236}">
+                <a16:creationId xmlns:a16="http://schemas.microsoft.com/office/drawing/2014/main" id="{0CBCE940-1479-BA61-44D9-47B809A90D50}"/>
+              </a:ext>
+            </a:extLst>
+          </p:cNvPr>
+          <p:cNvSpPr/>
+          <p:nvPr/>
+        </p:nvSpPr>
+        <p:spPr>
+          <a:xfrm>
+            <a:off x="4414525" y="4120968"/>
             <a:ext cx="1417320" cy="533400"/>
           </a:xfrm>
           <a:prstGeom prst="ellipse">
@@ -3909,10 +5659,10 @@
       </p:sp>
       <p:sp>
         <p:nvSpPr>
-          <p:cNvPr id="7" name="Oval 6">
-            <a:extLst>
-              <a:ext uri="{FF2B5EF4-FFF2-40B4-BE49-F238E27FC236}">
-                <a16:creationId xmlns:a16="http://schemas.microsoft.com/office/drawing/2014/main" id="{CC6426D9-D0C6-F630-9F2B-2457FE224860}"/>
+          <p:cNvPr id="6" name="Oval 5">
+            <a:extLst>
+              <a:ext uri="{FF2B5EF4-FFF2-40B4-BE49-F238E27FC236}">
+                <a16:creationId xmlns:a16="http://schemas.microsoft.com/office/drawing/2014/main" id="{16E5F817-6F40-58F2-1ABC-6A534181E295}"/>
               </a:ext>
             </a:extLst>
           </p:cNvPr>
@@ -3921,7 +5671,7 @@
         </p:nvSpPr>
         <p:spPr>
           <a:xfrm>
-            <a:off x="2621280" y="4084320"/>
+            <a:off x="4764683" y="1341517"/>
             <a:ext cx="1417320" cy="533400"/>
           </a:xfrm>
           <a:prstGeom prst="ellipse">
@@ -3962,13 +5712,938 @@
     </p:spTree>
     <p:extLst>
       <p:ext uri="{BB962C8B-B14F-4D97-AF65-F5344CB8AC3E}">
-        <p14:creationId xmlns:p14="http://schemas.microsoft.com/office/powerpoint/2010/main" val="2180293967"/>
+        <p14:creationId xmlns:p14="http://schemas.microsoft.com/office/powerpoint/2010/main" val="314710095"/>
       </p:ext>
     </p:extLst>
   </p:cSld>
   <p:clrMapOvr>
     <a:masterClrMapping/>
   </p:clrMapOvr>
+  <p:timing>
+    <p:tnLst>
+      <p:par>
+        <p:cTn id="1" dur="indefinite" restart="never" nodeType="tmRoot">
+          <p:childTnLst>
+            <p:seq concurrent="1" nextAc="seek">
+              <p:cTn id="2" dur="indefinite" nodeType="mainSeq">
+                <p:childTnLst>
+                  <p:par>
+                    <p:cTn id="3" fill="hold">
+                      <p:stCondLst>
+                        <p:cond delay="indefinite"/>
+                      </p:stCondLst>
+                      <p:childTnLst>
+                        <p:par>
+                          <p:cTn id="4" fill="hold">
+                            <p:stCondLst>
+                              <p:cond delay="0"/>
+                            </p:stCondLst>
+                            <p:childTnLst>
+                              <p:par>
+                                <p:cTn id="5" presetID="10" presetClass="entr" presetSubtype="0" fill="hold" grpId="0" nodeType="clickEffect">
+                                  <p:stCondLst>
+                                    <p:cond delay="0"/>
+                                  </p:stCondLst>
+                                  <p:childTnLst>
+                                    <p:set>
+                                      <p:cBhvr>
+                                        <p:cTn id="6" dur="1" fill="hold">
+                                          <p:stCondLst>
+                                            <p:cond delay="0"/>
+                                          </p:stCondLst>
+                                        </p:cTn>
+                                        <p:tgtEl>
+                                          <p:spTgt spid="61"/>
+                                        </p:tgtEl>
+                                        <p:attrNameLst>
+                                          <p:attrName>style.visibility</p:attrName>
+                                        </p:attrNameLst>
+                                      </p:cBhvr>
+                                      <p:to>
+                                        <p:strVal val="visible"/>
+                                      </p:to>
+                                    </p:set>
+                                    <p:animEffect transition="in" filter="fade">
+                                      <p:cBhvr>
+                                        <p:cTn id="7" dur="500"/>
+                                        <p:tgtEl>
+                                          <p:spTgt spid="61"/>
+                                        </p:tgtEl>
+                                      </p:cBhvr>
+                                    </p:animEffect>
+                                  </p:childTnLst>
+                                </p:cTn>
+                              </p:par>
+                              <p:par>
+                                <p:cTn id="8" presetID="10" presetClass="entr" presetSubtype="0" fill="hold" grpId="0" nodeType="withEffect">
+                                  <p:stCondLst>
+                                    <p:cond delay="0"/>
+                                  </p:stCondLst>
+                                  <p:childTnLst>
+                                    <p:set>
+                                      <p:cBhvr>
+                                        <p:cTn id="9" dur="1" fill="hold">
+                                          <p:stCondLst>
+                                            <p:cond delay="0"/>
+                                          </p:stCondLst>
+                                        </p:cTn>
+                                        <p:tgtEl>
+                                          <p:spTgt spid="56"/>
+                                        </p:tgtEl>
+                                        <p:attrNameLst>
+                                          <p:attrName>style.visibility</p:attrName>
+                                        </p:attrNameLst>
+                                      </p:cBhvr>
+                                      <p:to>
+                                        <p:strVal val="visible"/>
+                                      </p:to>
+                                    </p:set>
+                                    <p:animEffect transition="in" filter="fade">
+                                      <p:cBhvr>
+                                        <p:cTn id="10" dur="500"/>
+                                        <p:tgtEl>
+                                          <p:spTgt spid="56"/>
+                                        </p:tgtEl>
+                                      </p:cBhvr>
+                                    </p:animEffect>
+                                  </p:childTnLst>
+                                </p:cTn>
+                              </p:par>
+                              <p:par>
+                                <p:cTn id="11" presetID="10" presetClass="entr" presetSubtype="0" fill="hold" grpId="0" nodeType="withEffect">
+                                  <p:stCondLst>
+                                    <p:cond delay="0"/>
+                                  </p:stCondLst>
+                                  <p:childTnLst>
+                                    <p:set>
+                                      <p:cBhvr>
+                                        <p:cTn id="12" dur="1" fill="hold">
+                                          <p:stCondLst>
+                                            <p:cond delay="0"/>
+                                          </p:stCondLst>
+                                        </p:cTn>
+                                        <p:tgtEl>
+                                          <p:spTgt spid="55"/>
+                                        </p:tgtEl>
+                                        <p:attrNameLst>
+                                          <p:attrName>style.visibility</p:attrName>
+                                        </p:attrNameLst>
+                                      </p:cBhvr>
+                                      <p:to>
+                                        <p:strVal val="visible"/>
+                                      </p:to>
+                                    </p:set>
+                                    <p:animEffect transition="in" filter="fade">
+                                      <p:cBhvr>
+                                        <p:cTn id="13" dur="500"/>
+                                        <p:tgtEl>
+                                          <p:spTgt spid="55"/>
+                                        </p:tgtEl>
+                                      </p:cBhvr>
+                                    </p:animEffect>
+                                  </p:childTnLst>
+                                </p:cTn>
+                              </p:par>
+                            </p:childTnLst>
+                          </p:cTn>
+                        </p:par>
+                      </p:childTnLst>
+                    </p:cTn>
+                  </p:par>
+                  <p:par>
+                    <p:cTn id="14" fill="hold">
+                      <p:stCondLst>
+                        <p:cond delay="indefinite"/>
+                      </p:stCondLst>
+                      <p:childTnLst>
+                        <p:par>
+                          <p:cTn id="15" fill="hold">
+                            <p:stCondLst>
+                              <p:cond delay="0"/>
+                            </p:stCondLst>
+                            <p:childTnLst>
+                              <p:par>
+                                <p:cTn id="16" presetID="10" presetClass="entr" presetSubtype="0" fill="hold" nodeType="clickEffect">
+                                  <p:stCondLst>
+                                    <p:cond delay="0"/>
+                                  </p:stCondLst>
+                                  <p:childTnLst>
+                                    <p:set>
+                                      <p:cBhvr>
+                                        <p:cTn id="17" dur="1" fill="hold">
+                                          <p:stCondLst>
+                                            <p:cond delay="0"/>
+                                          </p:stCondLst>
+                                        </p:cTn>
+                                        <p:tgtEl>
+                                          <p:spTgt spid="37"/>
+                                        </p:tgtEl>
+                                        <p:attrNameLst>
+                                          <p:attrName>style.visibility</p:attrName>
+                                        </p:attrNameLst>
+                                      </p:cBhvr>
+                                      <p:to>
+                                        <p:strVal val="visible"/>
+                                      </p:to>
+                                    </p:set>
+                                    <p:animEffect transition="in" filter="fade">
+                                      <p:cBhvr>
+                                        <p:cTn id="18" dur="500"/>
+                                        <p:tgtEl>
+                                          <p:spTgt spid="37"/>
+                                        </p:tgtEl>
+                                      </p:cBhvr>
+                                    </p:animEffect>
+                                  </p:childTnLst>
+                                </p:cTn>
+                              </p:par>
+                              <p:par>
+                                <p:cTn id="19" presetID="10" presetClass="entr" presetSubtype="0" fill="hold" nodeType="withEffect">
+                                  <p:stCondLst>
+                                    <p:cond delay="0"/>
+                                  </p:stCondLst>
+                                  <p:childTnLst>
+                                    <p:set>
+                                      <p:cBhvr>
+                                        <p:cTn id="20" dur="1" fill="hold">
+                                          <p:stCondLst>
+                                            <p:cond delay="0"/>
+                                          </p:stCondLst>
+                                        </p:cTn>
+                                        <p:tgtEl>
+                                          <p:spTgt spid="43"/>
+                                        </p:tgtEl>
+                                        <p:attrNameLst>
+                                          <p:attrName>style.visibility</p:attrName>
+                                        </p:attrNameLst>
+                                      </p:cBhvr>
+                                      <p:to>
+                                        <p:strVal val="visible"/>
+                                      </p:to>
+                                    </p:set>
+                                    <p:animEffect transition="in" filter="fade">
+                                      <p:cBhvr>
+                                        <p:cTn id="21" dur="500"/>
+                                        <p:tgtEl>
+                                          <p:spTgt spid="43"/>
+                                        </p:tgtEl>
+                                      </p:cBhvr>
+                                    </p:animEffect>
+                                  </p:childTnLst>
+                                </p:cTn>
+                              </p:par>
+                            </p:childTnLst>
+                          </p:cTn>
+                        </p:par>
+                      </p:childTnLst>
+                    </p:cTn>
+                  </p:par>
+                  <p:par>
+                    <p:cTn id="22" fill="hold">
+                      <p:stCondLst>
+                        <p:cond delay="indefinite"/>
+                      </p:stCondLst>
+                      <p:childTnLst>
+                        <p:par>
+                          <p:cTn id="23" fill="hold">
+                            <p:stCondLst>
+                              <p:cond delay="0"/>
+                            </p:stCondLst>
+                            <p:childTnLst>
+                              <p:par>
+                                <p:cTn id="24" presetID="10" presetClass="entr" presetSubtype="0" fill="hold" grpId="0" nodeType="clickEffect">
+                                  <p:stCondLst>
+                                    <p:cond delay="0"/>
+                                  </p:stCondLst>
+                                  <p:childTnLst>
+                                    <p:set>
+                                      <p:cBhvr>
+                                        <p:cTn id="25" dur="1" fill="hold">
+                                          <p:stCondLst>
+                                            <p:cond delay="0"/>
+                                          </p:stCondLst>
+                                        </p:cTn>
+                                        <p:tgtEl>
+                                          <p:spTgt spid="57"/>
+                                        </p:tgtEl>
+                                        <p:attrNameLst>
+                                          <p:attrName>style.visibility</p:attrName>
+                                        </p:attrNameLst>
+                                      </p:cBhvr>
+                                      <p:to>
+                                        <p:strVal val="visible"/>
+                                      </p:to>
+                                    </p:set>
+                                    <p:animEffect transition="in" filter="fade">
+                                      <p:cBhvr>
+                                        <p:cTn id="26" dur="500"/>
+                                        <p:tgtEl>
+                                          <p:spTgt spid="57"/>
+                                        </p:tgtEl>
+                                      </p:cBhvr>
+                                    </p:animEffect>
+                                  </p:childTnLst>
+                                </p:cTn>
+                              </p:par>
+                              <p:par>
+                                <p:cTn id="27" presetID="10" presetClass="entr" presetSubtype="0" fill="hold" grpId="0" nodeType="withEffect">
+                                  <p:stCondLst>
+                                    <p:cond delay="0"/>
+                                  </p:stCondLst>
+                                  <p:childTnLst>
+                                    <p:set>
+                                      <p:cBhvr>
+                                        <p:cTn id="28" dur="1" fill="hold">
+                                          <p:stCondLst>
+                                            <p:cond delay="0"/>
+                                          </p:stCondLst>
+                                        </p:cTn>
+                                        <p:tgtEl>
+                                          <p:spTgt spid="58"/>
+                                        </p:tgtEl>
+                                        <p:attrNameLst>
+                                          <p:attrName>style.visibility</p:attrName>
+                                        </p:attrNameLst>
+                                      </p:cBhvr>
+                                      <p:to>
+                                        <p:strVal val="visible"/>
+                                      </p:to>
+                                    </p:set>
+                                    <p:animEffect transition="in" filter="fade">
+                                      <p:cBhvr>
+                                        <p:cTn id="29" dur="500"/>
+                                        <p:tgtEl>
+                                          <p:spTgt spid="58"/>
+                                        </p:tgtEl>
+                                      </p:cBhvr>
+                                    </p:animEffect>
+                                  </p:childTnLst>
+                                </p:cTn>
+                              </p:par>
+                              <p:par>
+                                <p:cTn id="30" presetID="10" presetClass="entr" presetSubtype="0" fill="hold" grpId="0" nodeType="withEffect">
+                                  <p:stCondLst>
+                                    <p:cond delay="0"/>
+                                  </p:stCondLst>
+                                  <p:childTnLst>
+                                    <p:set>
+                                      <p:cBhvr>
+                                        <p:cTn id="31" dur="1" fill="hold">
+                                          <p:stCondLst>
+                                            <p:cond delay="0"/>
+                                          </p:stCondLst>
+                                        </p:cTn>
+                                        <p:tgtEl>
+                                          <p:spTgt spid="59"/>
+                                        </p:tgtEl>
+                                        <p:attrNameLst>
+                                          <p:attrName>style.visibility</p:attrName>
+                                        </p:attrNameLst>
+                                      </p:cBhvr>
+                                      <p:to>
+                                        <p:strVal val="visible"/>
+                                      </p:to>
+                                    </p:set>
+                                    <p:animEffect transition="in" filter="fade">
+                                      <p:cBhvr>
+                                        <p:cTn id="32" dur="500"/>
+                                        <p:tgtEl>
+                                          <p:spTgt spid="59"/>
+                                        </p:tgtEl>
+                                      </p:cBhvr>
+                                    </p:animEffect>
+                                  </p:childTnLst>
+                                </p:cTn>
+                              </p:par>
+                            </p:childTnLst>
+                          </p:cTn>
+                        </p:par>
+                      </p:childTnLst>
+                    </p:cTn>
+                  </p:par>
+                  <p:par>
+                    <p:cTn id="33" fill="hold">
+                      <p:stCondLst>
+                        <p:cond delay="indefinite"/>
+                      </p:stCondLst>
+                      <p:childTnLst>
+                        <p:par>
+                          <p:cTn id="34" fill="hold">
+                            <p:stCondLst>
+                              <p:cond delay="0"/>
+                            </p:stCondLst>
+                            <p:childTnLst>
+                              <p:par>
+                                <p:cTn id="35" presetID="10" presetClass="entr" presetSubtype="0" fill="hold" nodeType="clickEffect">
+                                  <p:stCondLst>
+                                    <p:cond delay="0"/>
+                                  </p:stCondLst>
+                                  <p:childTnLst>
+                                    <p:set>
+                                      <p:cBhvr>
+                                        <p:cTn id="36" dur="1" fill="hold">
+                                          <p:stCondLst>
+                                            <p:cond delay="0"/>
+                                          </p:stCondLst>
+                                        </p:cTn>
+                                        <p:tgtEl>
+                                          <p:spTgt spid="64"/>
+                                        </p:tgtEl>
+                                        <p:attrNameLst>
+                                          <p:attrName>style.visibility</p:attrName>
+                                        </p:attrNameLst>
+                                      </p:cBhvr>
+                                      <p:to>
+                                        <p:strVal val="visible"/>
+                                      </p:to>
+                                    </p:set>
+                                    <p:animEffect transition="in" filter="fade">
+                                      <p:cBhvr>
+                                        <p:cTn id="37" dur="500"/>
+                                        <p:tgtEl>
+                                          <p:spTgt spid="64"/>
+                                        </p:tgtEl>
+                                      </p:cBhvr>
+                                    </p:animEffect>
+                                  </p:childTnLst>
+                                </p:cTn>
+                              </p:par>
+                            </p:childTnLst>
+                          </p:cTn>
+                        </p:par>
+                      </p:childTnLst>
+                    </p:cTn>
+                  </p:par>
+                  <p:par>
+                    <p:cTn id="38" fill="hold">
+                      <p:stCondLst>
+                        <p:cond delay="indefinite"/>
+                      </p:stCondLst>
+                      <p:childTnLst>
+                        <p:par>
+                          <p:cTn id="39" fill="hold">
+                            <p:stCondLst>
+                              <p:cond delay="0"/>
+                            </p:stCondLst>
+                            <p:childTnLst>
+                              <p:par>
+                                <p:cTn id="40" presetID="10" presetClass="entr" presetSubtype="0" fill="hold" nodeType="clickEffect">
+                                  <p:stCondLst>
+                                    <p:cond delay="0"/>
+                                  </p:stCondLst>
+                                  <p:childTnLst>
+                                    <p:set>
+                                      <p:cBhvr>
+                                        <p:cTn id="41" dur="1" fill="hold">
+                                          <p:stCondLst>
+                                            <p:cond delay="0"/>
+                                          </p:stCondLst>
+                                        </p:cTn>
+                                        <p:tgtEl>
+                                          <p:spTgt spid="65"/>
+                                        </p:tgtEl>
+                                        <p:attrNameLst>
+                                          <p:attrName>style.visibility</p:attrName>
+                                        </p:attrNameLst>
+                                      </p:cBhvr>
+                                      <p:to>
+                                        <p:strVal val="visible"/>
+                                      </p:to>
+                                    </p:set>
+                                    <p:animEffect transition="in" filter="fade">
+                                      <p:cBhvr>
+                                        <p:cTn id="42" dur="500"/>
+                                        <p:tgtEl>
+                                          <p:spTgt spid="65"/>
+                                        </p:tgtEl>
+                                      </p:cBhvr>
+                                    </p:animEffect>
+                                  </p:childTnLst>
+                                </p:cTn>
+                              </p:par>
+                            </p:childTnLst>
+                          </p:cTn>
+                        </p:par>
+                      </p:childTnLst>
+                    </p:cTn>
+                  </p:par>
+                  <p:par>
+                    <p:cTn id="43" fill="hold">
+                      <p:stCondLst>
+                        <p:cond delay="indefinite"/>
+                      </p:stCondLst>
+                      <p:childTnLst>
+                        <p:par>
+                          <p:cTn id="44" fill="hold">
+                            <p:stCondLst>
+                              <p:cond delay="0"/>
+                            </p:stCondLst>
+                            <p:childTnLst>
+                              <p:par>
+                                <p:cTn id="45" presetID="10" presetClass="entr" presetSubtype="0" fill="hold" grpId="0" nodeType="clickEffect">
+                                  <p:stCondLst>
+                                    <p:cond delay="0"/>
+                                  </p:stCondLst>
+                                  <p:childTnLst>
+                                    <p:set>
+                                      <p:cBhvr>
+                                        <p:cTn id="46" dur="1" fill="hold">
+                                          <p:stCondLst>
+                                            <p:cond delay="0"/>
+                                          </p:stCondLst>
+                                        </p:cTn>
+                                        <p:tgtEl>
+                                          <p:spTgt spid="60"/>
+                                        </p:tgtEl>
+                                        <p:attrNameLst>
+                                          <p:attrName>style.visibility</p:attrName>
+                                        </p:attrNameLst>
+                                      </p:cBhvr>
+                                      <p:to>
+                                        <p:strVal val="visible"/>
+                                      </p:to>
+                                    </p:set>
+                                    <p:animEffect transition="in" filter="fade">
+                                      <p:cBhvr>
+                                        <p:cTn id="47" dur="500"/>
+                                        <p:tgtEl>
+                                          <p:spTgt spid="60"/>
+                                        </p:tgtEl>
+                                      </p:cBhvr>
+                                    </p:animEffect>
+                                  </p:childTnLst>
+                                </p:cTn>
+                              </p:par>
+                            </p:childTnLst>
+                          </p:cTn>
+                        </p:par>
+                      </p:childTnLst>
+                    </p:cTn>
+                  </p:par>
+                  <p:par>
+                    <p:cTn id="48" fill="hold">
+                      <p:stCondLst>
+                        <p:cond delay="indefinite"/>
+                      </p:stCondLst>
+                      <p:childTnLst>
+                        <p:par>
+                          <p:cTn id="49" fill="hold">
+                            <p:stCondLst>
+                              <p:cond delay="0"/>
+                            </p:stCondLst>
+                            <p:childTnLst>
+                              <p:par>
+                                <p:cTn id="50" presetID="10" presetClass="entr" presetSubtype="0" fill="hold" grpId="0" nodeType="clickEffect">
+                                  <p:stCondLst>
+                                    <p:cond delay="0"/>
+                                  </p:stCondLst>
+                                  <p:childTnLst>
+                                    <p:set>
+                                      <p:cBhvr>
+                                        <p:cTn id="51" dur="1" fill="hold">
+                                          <p:stCondLst>
+                                            <p:cond delay="0"/>
+                                          </p:stCondLst>
+                                        </p:cTn>
+                                        <p:tgtEl>
+                                          <p:spTgt spid="2"/>
+                                        </p:tgtEl>
+                                        <p:attrNameLst>
+                                          <p:attrName>style.visibility</p:attrName>
+                                        </p:attrNameLst>
+                                      </p:cBhvr>
+                                      <p:to>
+                                        <p:strVal val="visible"/>
+                                      </p:to>
+                                    </p:set>
+                                    <p:animEffect transition="in" filter="fade">
+                                      <p:cBhvr>
+                                        <p:cTn id="52" dur="500"/>
+                                        <p:tgtEl>
+                                          <p:spTgt spid="2"/>
+                                        </p:tgtEl>
+                                      </p:cBhvr>
+                                    </p:animEffect>
+                                  </p:childTnLst>
+                                </p:cTn>
+                              </p:par>
+                              <p:par>
+                                <p:cTn id="53" presetID="10" presetClass="entr" presetSubtype="0" fill="hold" nodeType="withEffect">
+                                  <p:stCondLst>
+                                    <p:cond delay="0"/>
+                                  </p:stCondLst>
+                                  <p:childTnLst>
+                                    <p:set>
+                                      <p:cBhvr>
+                                        <p:cTn id="54" dur="1" fill="hold">
+                                          <p:stCondLst>
+                                            <p:cond delay="0"/>
+                                          </p:stCondLst>
+                                        </p:cTn>
+                                        <p:tgtEl>
+                                          <p:spTgt spid="5"/>
+                                        </p:tgtEl>
+                                        <p:attrNameLst>
+                                          <p:attrName>style.visibility</p:attrName>
+                                        </p:attrNameLst>
+                                      </p:cBhvr>
+                                      <p:to>
+                                        <p:strVal val="visible"/>
+                                      </p:to>
+                                    </p:set>
+                                    <p:animEffect transition="in" filter="fade">
+                                      <p:cBhvr>
+                                        <p:cTn id="55" dur="500"/>
+                                        <p:tgtEl>
+                                          <p:spTgt spid="5"/>
+                                        </p:tgtEl>
+                                      </p:cBhvr>
+                                    </p:animEffect>
+                                  </p:childTnLst>
+                                </p:cTn>
+                              </p:par>
+                            </p:childTnLst>
+                          </p:cTn>
+                        </p:par>
+                      </p:childTnLst>
+                    </p:cTn>
+                  </p:par>
+                  <p:par>
+                    <p:cTn id="56" fill="hold">
+                      <p:stCondLst>
+                        <p:cond delay="indefinite"/>
+                      </p:stCondLst>
+                      <p:childTnLst>
+                        <p:par>
+                          <p:cTn id="57" fill="hold">
+                            <p:stCondLst>
+                              <p:cond delay="0"/>
+                            </p:stCondLst>
+                            <p:childTnLst>
+                              <p:par>
+                                <p:cTn id="58" presetID="10" presetClass="entr" presetSubtype="0" fill="hold" nodeType="clickEffect">
+                                  <p:stCondLst>
+                                    <p:cond delay="0"/>
+                                  </p:stCondLst>
+                                  <p:childTnLst>
+                                    <p:set>
+                                      <p:cBhvr>
+                                        <p:cTn id="59" dur="1" fill="hold">
+                                          <p:stCondLst>
+                                            <p:cond delay="0"/>
+                                          </p:stCondLst>
+                                        </p:cTn>
+                                        <p:tgtEl>
+                                          <p:spTgt spid="50"/>
+                                        </p:tgtEl>
+                                        <p:attrNameLst>
+                                          <p:attrName>style.visibility</p:attrName>
+                                        </p:attrNameLst>
+                                      </p:cBhvr>
+                                      <p:to>
+                                        <p:strVal val="visible"/>
+                                      </p:to>
+                                    </p:set>
+                                    <p:animEffect transition="in" filter="fade">
+                                      <p:cBhvr>
+                                        <p:cTn id="60" dur="500"/>
+                                        <p:tgtEl>
+                                          <p:spTgt spid="50"/>
+                                        </p:tgtEl>
+                                      </p:cBhvr>
+                                    </p:animEffect>
+                                  </p:childTnLst>
+                                </p:cTn>
+                              </p:par>
+                              <p:par>
+                                <p:cTn id="61" presetID="10" presetClass="entr" presetSubtype="0" fill="hold" nodeType="withEffect">
+                                  <p:stCondLst>
+                                    <p:cond delay="0"/>
+                                  </p:stCondLst>
+                                  <p:childTnLst>
+                                    <p:set>
+                                      <p:cBhvr>
+                                        <p:cTn id="62" dur="1" fill="hold">
+                                          <p:stCondLst>
+                                            <p:cond delay="0"/>
+                                          </p:stCondLst>
+                                        </p:cTn>
+                                        <p:tgtEl>
+                                          <p:spTgt spid="51"/>
+                                        </p:tgtEl>
+                                        <p:attrNameLst>
+                                          <p:attrName>style.visibility</p:attrName>
+                                        </p:attrNameLst>
+                                      </p:cBhvr>
+                                      <p:to>
+                                        <p:strVal val="visible"/>
+                                      </p:to>
+                                    </p:set>
+                                    <p:animEffect transition="in" filter="fade">
+                                      <p:cBhvr>
+                                        <p:cTn id="63" dur="500"/>
+                                        <p:tgtEl>
+                                          <p:spTgt spid="51"/>
+                                        </p:tgtEl>
+                                      </p:cBhvr>
+                                    </p:animEffect>
+                                  </p:childTnLst>
+                                </p:cTn>
+                              </p:par>
+                            </p:childTnLst>
+                          </p:cTn>
+                        </p:par>
+                      </p:childTnLst>
+                    </p:cTn>
+                  </p:par>
+                  <p:par>
+                    <p:cTn id="64" fill="hold">
+                      <p:stCondLst>
+                        <p:cond delay="indefinite"/>
+                      </p:stCondLst>
+                      <p:childTnLst>
+                        <p:par>
+                          <p:cTn id="65" fill="hold">
+                            <p:stCondLst>
+                              <p:cond delay="0"/>
+                            </p:stCondLst>
+                            <p:childTnLst>
+                              <p:par>
+                                <p:cTn id="66" presetID="10" presetClass="entr" presetSubtype="0" fill="hold" grpId="0" nodeType="clickEffect">
+                                  <p:stCondLst>
+                                    <p:cond delay="0"/>
+                                  </p:stCondLst>
+                                  <p:childTnLst>
+                                    <p:set>
+                                      <p:cBhvr>
+                                        <p:cTn id="67" dur="1" fill="hold">
+                                          <p:stCondLst>
+                                            <p:cond delay="0"/>
+                                          </p:stCondLst>
+                                        </p:cTn>
+                                        <p:tgtEl>
+                                          <p:spTgt spid="53"/>
+                                        </p:tgtEl>
+                                        <p:attrNameLst>
+                                          <p:attrName>style.visibility</p:attrName>
+                                        </p:attrNameLst>
+                                      </p:cBhvr>
+                                      <p:to>
+                                        <p:strVal val="visible"/>
+                                      </p:to>
+                                    </p:set>
+                                    <p:animEffect transition="in" filter="fade">
+                                      <p:cBhvr>
+                                        <p:cTn id="68" dur="500"/>
+                                        <p:tgtEl>
+                                          <p:spTgt spid="53"/>
+                                        </p:tgtEl>
+                                      </p:cBhvr>
+                                    </p:animEffect>
+                                  </p:childTnLst>
+                                </p:cTn>
+                              </p:par>
+                              <p:par>
+                                <p:cTn id="69" presetID="10" presetClass="entr" presetSubtype="0" fill="hold" grpId="0" nodeType="withEffect">
+                                  <p:stCondLst>
+                                    <p:cond delay="0"/>
+                                  </p:stCondLst>
+                                  <p:childTnLst>
+                                    <p:set>
+                                      <p:cBhvr>
+                                        <p:cTn id="70" dur="1" fill="hold">
+                                          <p:stCondLst>
+                                            <p:cond delay="0"/>
+                                          </p:stCondLst>
+                                        </p:cTn>
+                                        <p:tgtEl>
+                                          <p:spTgt spid="54"/>
+                                        </p:tgtEl>
+                                        <p:attrNameLst>
+                                          <p:attrName>style.visibility</p:attrName>
+                                        </p:attrNameLst>
+                                      </p:cBhvr>
+                                      <p:to>
+                                        <p:strVal val="visible"/>
+                                      </p:to>
+                                    </p:set>
+                                    <p:animEffect transition="in" filter="fade">
+                                      <p:cBhvr>
+                                        <p:cTn id="71" dur="500"/>
+                                        <p:tgtEl>
+                                          <p:spTgt spid="54"/>
+                                        </p:tgtEl>
+                                      </p:cBhvr>
+                                    </p:animEffect>
+                                  </p:childTnLst>
+                                </p:cTn>
+                              </p:par>
+                              <p:par>
+                                <p:cTn id="72" presetID="10" presetClass="entr" presetSubtype="0" fill="hold" grpId="0" nodeType="withEffect">
+                                  <p:stCondLst>
+                                    <p:cond delay="0"/>
+                                  </p:stCondLst>
+                                  <p:childTnLst>
+                                    <p:set>
+                                      <p:cBhvr>
+                                        <p:cTn id="73" dur="1" fill="hold">
+                                          <p:stCondLst>
+                                            <p:cond delay="0"/>
+                                          </p:stCondLst>
+                                        </p:cTn>
+                                        <p:tgtEl>
+                                          <p:spTgt spid="52"/>
+                                        </p:tgtEl>
+                                        <p:attrNameLst>
+                                          <p:attrName>style.visibility</p:attrName>
+                                        </p:attrNameLst>
+                                      </p:cBhvr>
+                                      <p:to>
+                                        <p:strVal val="visible"/>
+                                      </p:to>
+                                    </p:set>
+                                    <p:animEffect transition="in" filter="fade">
+                                      <p:cBhvr>
+                                        <p:cTn id="74" dur="500"/>
+                                        <p:tgtEl>
+                                          <p:spTgt spid="52"/>
+                                        </p:tgtEl>
+                                      </p:cBhvr>
+                                    </p:animEffect>
+                                  </p:childTnLst>
+                                </p:cTn>
+                              </p:par>
+                            </p:childTnLst>
+                          </p:cTn>
+                        </p:par>
+                      </p:childTnLst>
+                    </p:cTn>
+                  </p:par>
+                  <p:par>
+                    <p:cTn id="75" fill="hold">
+                      <p:stCondLst>
+                        <p:cond delay="indefinite"/>
+                      </p:stCondLst>
+                      <p:childTnLst>
+                        <p:par>
+                          <p:cTn id="76" fill="hold">
+                            <p:stCondLst>
+                              <p:cond delay="0"/>
+                            </p:stCondLst>
+                            <p:childTnLst>
+                              <p:par>
+                                <p:cTn id="77" presetID="10" presetClass="entr" presetSubtype="0" fill="hold" grpId="0" nodeType="clickEffect">
+                                  <p:stCondLst>
+                                    <p:cond delay="0"/>
+                                  </p:stCondLst>
+                                  <p:childTnLst>
+                                    <p:set>
+                                      <p:cBhvr>
+                                        <p:cTn id="78" dur="1" fill="hold">
+                                          <p:stCondLst>
+                                            <p:cond delay="0"/>
+                                          </p:stCondLst>
+                                        </p:cTn>
+                                        <p:tgtEl>
+                                          <p:spTgt spid="6"/>
+                                        </p:tgtEl>
+                                        <p:attrNameLst>
+                                          <p:attrName>style.visibility</p:attrName>
+                                        </p:attrNameLst>
+                                      </p:cBhvr>
+                                      <p:to>
+                                        <p:strVal val="visible"/>
+                                      </p:to>
+                                    </p:set>
+                                    <p:animEffect transition="in" filter="fade">
+                                      <p:cBhvr>
+                                        <p:cTn id="79" dur="500"/>
+                                        <p:tgtEl>
+                                          <p:spTgt spid="6"/>
+                                        </p:tgtEl>
+                                      </p:cBhvr>
+                                    </p:animEffect>
+                                  </p:childTnLst>
+                                </p:cTn>
+                              </p:par>
+                              <p:par>
+                                <p:cTn id="80" presetID="10" presetClass="entr" presetSubtype="0" fill="hold" grpId="0" nodeType="withEffect">
+                                  <p:stCondLst>
+                                    <p:cond delay="0"/>
+                                  </p:stCondLst>
+                                  <p:childTnLst>
+                                    <p:set>
+                                      <p:cBhvr>
+                                        <p:cTn id="81" dur="1" fill="hold">
+                                          <p:stCondLst>
+                                            <p:cond delay="0"/>
+                                          </p:stCondLst>
+                                        </p:cTn>
+                                        <p:tgtEl>
+                                          <p:spTgt spid="4"/>
+                                        </p:tgtEl>
+                                        <p:attrNameLst>
+                                          <p:attrName>style.visibility</p:attrName>
+                                        </p:attrNameLst>
+                                      </p:cBhvr>
+                                      <p:to>
+                                        <p:strVal val="visible"/>
+                                      </p:to>
+                                    </p:set>
+                                    <p:animEffect transition="in" filter="fade">
+                                      <p:cBhvr>
+                                        <p:cTn id="82" dur="500"/>
+                                        <p:tgtEl>
+                                          <p:spTgt spid="4"/>
+                                        </p:tgtEl>
+                                      </p:cBhvr>
+                                    </p:animEffect>
+                                  </p:childTnLst>
+                                </p:cTn>
+                              </p:par>
+                            </p:childTnLst>
+                          </p:cTn>
+                        </p:par>
+                      </p:childTnLst>
+                    </p:cTn>
+                  </p:par>
+                </p:childTnLst>
+              </p:cTn>
+              <p:prevCondLst>
+                <p:cond evt="onPrev" delay="0">
+                  <p:tgtEl>
+                    <p:sldTgt/>
+                  </p:tgtEl>
+                </p:cond>
+              </p:prevCondLst>
+              <p:nextCondLst>
+                <p:cond evt="onNext" delay="0">
+                  <p:tgtEl>
+                    <p:sldTgt/>
+                  </p:tgtEl>
+                </p:cond>
+              </p:nextCondLst>
+            </p:seq>
+          </p:childTnLst>
+        </p:cTn>
+      </p:par>
+    </p:tnLst>
+    <p:bldLst>
+      <p:bldP spid="52" grpId="0"/>
+      <p:bldP spid="53" grpId="0"/>
+      <p:bldP spid="54" grpId="0"/>
+      <p:bldP spid="55" grpId="0"/>
+      <p:bldP spid="56" grpId="0"/>
+      <p:bldP spid="57" grpId="0"/>
+      <p:bldP spid="58" grpId="0"/>
+      <p:bldP spid="59" grpId="0"/>
+      <p:bldP spid="60" grpId="0"/>
+      <p:bldP spid="61" grpId="0"/>
+      <p:bldP spid="2" grpId="0" animBg="1"/>
+      <p:bldP spid="4" grpId="0" animBg="1"/>
+      <p:bldP spid="6" grpId="0" animBg="1"/>
+    </p:bldLst>
+  </p:timing>
 </p:sld>
 </file>
 
@@ -4419,11 +7094,11 @@
               <a:buChar char="Ø"/>
             </a:pPr>
             <a:r>
-              <a:rPr lang="fr-FR" sz="1600" dirty="0"/>
+              <a:rPr lang="fr-FR" sz="1600" b="1" dirty="0"/>
               <a:t>Long </a:t>
             </a:r>
             <a:r>
-              <a:rPr lang="fr-FR" sz="1600" dirty="0" err="1"/>
+              <a:rPr lang="fr-FR" sz="1600" b="1" dirty="0" err="1"/>
               <a:t>term</a:t>
             </a:r>
             <a:r>
@@ -4542,11 +7217,11 @@
               <a:buChar char="Ø"/>
             </a:pPr>
             <a:r>
-              <a:rPr lang="fr-FR" sz="1600" dirty="0"/>
+              <a:rPr lang="fr-FR" sz="1600" b="1" dirty="0"/>
               <a:t>Short </a:t>
             </a:r>
             <a:r>
-              <a:rPr lang="fr-FR" sz="1600" dirty="0" err="1"/>
+              <a:rPr lang="fr-FR" sz="1600" b="1" dirty="0" err="1"/>
               <a:t>term</a:t>
             </a:r>
             <a:r>
@@ -4877,6 +7552,154 @@
           </a:p>
         </p:txBody>
       </p:sp>
+      <p:pic>
+        <p:nvPicPr>
+          <p:cNvPr id="1026" name="Picture 2">
+            <a:extLst>
+              <a:ext uri="{FF2B5EF4-FFF2-40B4-BE49-F238E27FC236}">
+                <a16:creationId xmlns:a16="http://schemas.microsoft.com/office/drawing/2014/main" id="{DE8D4D4A-B859-0DE0-3C11-C6DC8362DAAA}"/>
+              </a:ext>
+            </a:extLst>
+          </p:cNvPr>
+          <p:cNvPicPr>
+            <a:picLocks noChangeAspect="1" noChangeArrowheads="1"/>
+          </p:cNvPicPr>
+          <p:nvPr/>
+        </p:nvPicPr>
+        <p:blipFill>
+          <a:blip r:embed="rId2">
+            <a:extLst>
+              <a:ext uri="{28A0092B-C50C-407E-A947-70E740481C1C}">
+                <a14:useLocalDpi xmlns:a14="http://schemas.microsoft.com/office/drawing/2010/main" val="0"/>
+              </a:ext>
+            </a:extLst>
+          </a:blip>
+          <a:srcRect/>
+          <a:stretch>
+            <a:fillRect/>
+          </a:stretch>
+        </p:blipFill>
+        <p:spPr bwMode="auto">
+          <a:xfrm>
+            <a:off x="7175500" y="523220"/>
+            <a:ext cx="4819586" cy="6267493"/>
+          </a:xfrm>
+          <a:prstGeom prst="rect">
+            <a:avLst/>
+          </a:prstGeom>
+          <a:noFill/>
+          <a:extLst>
+            <a:ext uri="{909E8E84-426E-40DD-AFC4-6F175D3DCCD1}">
+              <a14:hiddenFill xmlns:a14="http://schemas.microsoft.com/office/drawing/2010/main">
+                <a:solidFill>
+                  <a:srgbClr val="FFFFFF"/>
+                </a:solidFill>
+              </a14:hiddenFill>
+            </a:ext>
+          </a:extLst>
+        </p:spPr>
+      </p:pic>
+      <p:sp>
+        <p:nvSpPr>
+          <p:cNvPr id="3" name="TextBox 2">
+            <a:extLst>
+              <a:ext uri="{FF2B5EF4-FFF2-40B4-BE49-F238E27FC236}">
+                <a16:creationId xmlns:a16="http://schemas.microsoft.com/office/drawing/2014/main" id="{F2B95D10-1964-3794-E326-B053587740C3}"/>
+              </a:ext>
+            </a:extLst>
+          </p:cNvPr>
+          <p:cNvSpPr txBox="1"/>
+          <p:nvPr/>
+        </p:nvSpPr>
+        <p:spPr>
+          <a:xfrm>
+            <a:off x="0" y="792471"/>
+            <a:ext cx="6157398" cy="1200329"/>
+          </a:xfrm>
+          <a:prstGeom prst="rect">
+            <a:avLst/>
+          </a:prstGeom>
+          <a:noFill/>
+        </p:spPr>
+        <p:txBody>
+          <a:bodyPr wrap="square">
+            <a:spAutoFit/>
+          </a:bodyPr>
+          <a:lstStyle/>
+          <a:p>
+            <a:pPr marL="285750" indent="-285750">
+              <a:buFont typeface="Wingdings" panose="05000000000000000000" pitchFamily="2" charset="2"/>
+              <a:buChar char="Ø"/>
+            </a:pPr>
+            <a:r>
+              <a:rPr lang="fr-FR" b="1" dirty="0"/>
+              <a:t>(Re)</a:t>
+            </a:r>
+            <a:r>
+              <a:rPr lang="fr-FR" b="1" dirty="0" err="1"/>
+              <a:t>validating</a:t>
+            </a:r>
+            <a:r>
+              <a:rPr lang="fr-FR" b="1" dirty="0"/>
+              <a:t> IAS questionnaire</a:t>
+            </a:r>
+          </a:p>
+          <a:p>
+            <a:pPr marL="285750" indent="-285750">
+              <a:buFont typeface="Wingdings" panose="05000000000000000000" pitchFamily="2" charset="2"/>
+              <a:buChar char="Ø"/>
+            </a:pPr>
+            <a:endParaRPr lang="fr-FR" sz="1800" b="1" dirty="0"/>
+          </a:p>
+          <a:p>
+            <a:pPr marL="285750" indent="-285750">
+              <a:buFont typeface="Arial" panose="020B0604020202020204" pitchFamily="34" charset="0"/>
+              <a:buChar char="•"/>
+            </a:pPr>
+            <a:r>
+              <a:rPr lang="fr-FR" b="1" dirty="0"/>
+              <a:t>Long </a:t>
+            </a:r>
+            <a:r>
+              <a:rPr lang="fr-FR" b="1" dirty="0" err="1"/>
+              <a:t>term</a:t>
+            </a:r>
+            <a:r>
+              <a:rPr lang="fr-FR" b="1" dirty="0"/>
+              <a:t> question: </a:t>
+            </a:r>
+            <a:r>
+              <a:rPr lang="fr-FR" dirty="0"/>
+              <a:t>can </a:t>
+            </a:r>
+            <a:r>
+              <a:rPr lang="fr-FR" dirty="0" err="1"/>
+              <a:t>we</a:t>
+            </a:r>
+            <a:r>
+              <a:rPr lang="fr-FR" dirty="0"/>
+              <a:t> </a:t>
+            </a:r>
+            <a:r>
+              <a:rPr lang="fr-FR" dirty="0" err="1"/>
+              <a:t>measure</a:t>
+            </a:r>
+            <a:r>
+              <a:rPr lang="fr-FR" dirty="0"/>
+              <a:t> </a:t>
+            </a:r>
+            <a:r>
+              <a:rPr lang="fr-FR" dirty="0" err="1"/>
+              <a:t>interoception</a:t>
+            </a:r>
+            <a:r>
+              <a:rPr lang="fr-FR" dirty="0"/>
+              <a:t> via questionnaires?</a:t>
+            </a:r>
+            <a:endParaRPr lang="fr-FR" sz="1800" dirty="0"/>
+          </a:p>
+        </p:txBody>
+      </p:sp>
     </p:spTree>
     <p:extLst>
       <p:ext uri="{BB962C8B-B14F-4D97-AF65-F5344CB8AC3E}">
@@ -4999,6 +7822,186 @@
           </a:p>
         </p:txBody>
       </p:sp>
+      <p:pic>
+        <p:nvPicPr>
+          <p:cNvPr id="5" name="Picture 4">
+            <a:extLst>
+              <a:ext uri="{FF2B5EF4-FFF2-40B4-BE49-F238E27FC236}">
+                <a16:creationId xmlns:a16="http://schemas.microsoft.com/office/drawing/2014/main" id="{07A5E265-682D-45DA-0C5C-3B26717FE784}"/>
+              </a:ext>
+            </a:extLst>
+          </p:cNvPr>
+          <p:cNvPicPr>
+            <a:picLocks noChangeAspect="1"/>
+          </p:cNvPicPr>
+          <p:nvPr/>
+        </p:nvPicPr>
+        <p:blipFill>
+          <a:blip r:embed="rId2"/>
+          <a:stretch>
+            <a:fillRect/>
+          </a:stretch>
+        </p:blipFill>
+        <p:spPr>
+          <a:xfrm>
+            <a:off x="6203751" y="3034519"/>
+            <a:ext cx="5485708" cy="3739830"/>
+          </a:xfrm>
+          <a:prstGeom prst="rect">
+            <a:avLst/>
+          </a:prstGeom>
+        </p:spPr>
+      </p:pic>
+      <p:pic>
+        <p:nvPicPr>
+          <p:cNvPr id="9" name="Picture 8" descr="A child with a hat on&#10;&#10;Description automatically generated with medium confidence">
+            <a:extLst>
+              <a:ext uri="{FF2B5EF4-FFF2-40B4-BE49-F238E27FC236}">
+                <a16:creationId xmlns:a16="http://schemas.microsoft.com/office/drawing/2014/main" id="{E1B369C4-3B89-6665-C13D-DF266559CEE4}"/>
+              </a:ext>
+            </a:extLst>
+          </p:cNvPr>
+          <p:cNvPicPr>
+            <a:picLocks noChangeAspect="1"/>
+          </p:cNvPicPr>
+          <p:nvPr/>
+        </p:nvPicPr>
+        <p:blipFill>
+          <a:blip r:embed="rId3">
+            <a:extLst>
+              <a:ext uri="{28A0092B-C50C-407E-A947-70E740481C1C}">
+                <a14:useLocalDpi xmlns:a14="http://schemas.microsoft.com/office/drawing/2010/main" val="0"/>
+              </a:ext>
+            </a:extLst>
+          </a:blip>
+          <a:stretch>
+            <a:fillRect/>
+          </a:stretch>
+        </p:blipFill>
+        <p:spPr>
+          <a:xfrm>
+            <a:off x="7981493" y="729311"/>
+            <a:ext cx="3178472" cy="2099116"/>
+          </a:xfrm>
+          <a:prstGeom prst="rect">
+            <a:avLst/>
+          </a:prstGeom>
+        </p:spPr>
+      </p:pic>
+      <p:sp>
+        <p:nvSpPr>
+          <p:cNvPr id="10" name="TextBox 9">
+            <a:extLst>
+              <a:ext uri="{FF2B5EF4-FFF2-40B4-BE49-F238E27FC236}">
+                <a16:creationId xmlns:a16="http://schemas.microsoft.com/office/drawing/2014/main" id="{F417FF5C-72E0-E05E-0F0C-4CB0D37E93FD}"/>
+              </a:ext>
+            </a:extLst>
+          </p:cNvPr>
+          <p:cNvSpPr txBox="1"/>
+          <p:nvPr/>
+        </p:nvSpPr>
+        <p:spPr>
+          <a:xfrm>
+            <a:off x="0" y="792471"/>
+            <a:ext cx="6623050" cy="646331"/>
+          </a:xfrm>
+          <a:prstGeom prst="rect">
+            <a:avLst/>
+          </a:prstGeom>
+          <a:noFill/>
+        </p:spPr>
+        <p:txBody>
+          <a:bodyPr wrap="square">
+            <a:spAutoFit/>
+          </a:bodyPr>
+          <a:lstStyle/>
+          <a:p>
+            <a:pPr marL="285750" indent="-285750">
+              <a:buFont typeface="Wingdings" panose="05000000000000000000" pitchFamily="2" charset="2"/>
+              <a:buChar char="Ø"/>
+            </a:pPr>
+            <a:r>
+              <a:rPr lang="fr-FR" b="1" dirty="0"/>
+              <a:t>Is tapping </a:t>
+            </a:r>
+            <a:r>
+              <a:rPr lang="fr-FR" b="1" dirty="0" err="1"/>
+              <a:t>rythm</a:t>
+            </a:r>
+            <a:r>
+              <a:rPr lang="fr-FR" b="1" dirty="0"/>
+              <a:t> </a:t>
+            </a:r>
+            <a:r>
+              <a:rPr lang="fr-FR" b="1" dirty="0" err="1"/>
+              <a:t>related</a:t>
+            </a:r>
+            <a:r>
+              <a:rPr lang="fr-FR" b="1" dirty="0"/>
+              <a:t> to </a:t>
+            </a:r>
+            <a:r>
+              <a:rPr lang="fr-FR" b="1" dirty="0" err="1"/>
+              <a:t>bodily</a:t>
+            </a:r>
+            <a:r>
+              <a:rPr lang="fr-FR" b="1" dirty="0"/>
+              <a:t> </a:t>
+            </a:r>
+            <a:r>
+              <a:rPr lang="fr-FR" b="1" dirty="0" err="1"/>
+              <a:t>signals</a:t>
+            </a:r>
+            <a:r>
+              <a:rPr lang="fr-FR" b="1" dirty="0"/>
+              <a:t>? </a:t>
+            </a:r>
+          </a:p>
+          <a:p>
+            <a:pPr marL="285750" indent="-285750">
+              <a:buFont typeface="Wingdings" panose="05000000000000000000" pitchFamily="2" charset="2"/>
+              <a:buChar char="Ø"/>
+            </a:pPr>
+            <a:r>
+              <a:rPr lang="fr-FR" b="1" dirty="0"/>
+              <a:t>Is the </a:t>
+            </a:r>
+            <a:r>
+              <a:rPr lang="fr-FR" b="1" dirty="0" err="1"/>
+              <a:t>strength</a:t>
+            </a:r>
+            <a:r>
+              <a:rPr lang="fr-FR" b="1" dirty="0"/>
+              <a:t> of association </a:t>
+            </a:r>
+            <a:r>
+              <a:rPr lang="fr-FR" b="1" dirty="0" err="1"/>
+              <a:t>related</a:t>
+            </a:r>
+            <a:r>
+              <a:rPr lang="fr-FR" b="1" dirty="0"/>
+              <a:t> to </a:t>
+            </a:r>
+            <a:r>
+              <a:rPr lang="fr-FR" b="1" dirty="0" err="1"/>
+              <a:t>interoceptive</a:t>
+            </a:r>
+            <a:r>
+              <a:rPr lang="fr-FR" b="1" dirty="0"/>
+              <a:t> </a:t>
+            </a:r>
+            <a:r>
+              <a:rPr lang="fr-FR" b="1" dirty="0" err="1"/>
+              <a:t>abilities</a:t>
+            </a:r>
+            <a:r>
+              <a:rPr lang="fr-FR" b="1" dirty="0"/>
+              <a:t>? </a:t>
+            </a:r>
+            <a:endParaRPr lang="fr-FR" sz="1800" dirty="0"/>
+          </a:p>
+        </p:txBody>
+      </p:sp>
     </p:spTree>
     <p:extLst>
       <p:ext uri="{BB962C8B-B14F-4D97-AF65-F5344CB8AC3E}">
@@ -5104,6 +8107,93 @@
                 </a:solidFill>
               </a:rPr>
               <a:t> - HEP </a:t>
+            </a:r>
+          </a:p>
+        </p:txBody>
+      </p:sp>
+      <p:sp>
+        <p:nvSpPr>
+          <p:cNvPr id="2" name="TextBox 1">
+            <a:extLst>
+              <a:ext uri="{FF2B5EF4-FFF2-40B4-BE49-F238E27FC236}">
+                <a16:creationId xmlns:a16="http://schemas.microsoft.com/office/drawing/2014/main" id="{61F71F5D-998F-94FF-9D0C-648944C1DCBD}"/>
+              </a:ext>
+            </a:extLst>
+          </p:cNvPr>
+          <p:cNvSpPr txBox="1"/>
+          <p:nvPr/>
+        </p:nvSpPr>
+        <p:spPr>
+          <a:xfrm>
+            <a:off x="0" y="792471"/>
+            <a:ext cx="7588250" cy="369332"/>
+          </a:xfrm>
+          <a:prstGeom prst="rect">
+            <a:avLst/>
+          </a:prstGeom>
+          <a:noFill/>
+        </p:spPr>
+        <p:txBody>
+          <a:bodyPr wrap="square">
+            <a:spAutoFit/>
+          </a:bodyPr>
+          <a:lstStyle/>
+          <a:p>
+            <a:pPr marL="285750" indent="-285750">
+              <a:buFont typeface="Wingdings" panose="05000000000000000000" pitchFamily="2" charset="2"/>
+              <a:buChar char="Ø"/>
+            </a:pPr>
+            <a:r>
+              <a:rPr lang="fr-FR" b="1" dirty="0"/>
+              <a:t>Can </a:t>
+            </a:r>
+            <a:r>
+              <a:rPr lang="fr-FR" b="1" dirty="0" err="1"/>
+              <a:t>we</a:t>
+            </a:r>
+            <a:r>
+              <a:rPr lang="fr-FR" b="1" dirty="0"/>
+              <a:t> </a:t>
+            </a:r>
+            <a:r>
+              <a:rPr lang="fr-FR" b="1" dirty="0" err="1"/>
+              <a:t>measure</a:t>
+            </a:r>
+            <a:r>
+              <a:rPr lang="fr-FR" b="1" dirty="0"/>
+              <a:t> </a:t>
+            </a:r>
+            <a:r>
+              <a:rPr lang="fr-FR" b="1" dirty="0" err="1"/>
+              <a:t>interoception</a:t>
+            </a:r>
+            <a:r>
+              <a:rPr lang="fr-FR" b="1" dirty="0"/>
+              <a:t> in the </a:t>
+            </a:r>
+            <a:r>
+              <a:rPr lang="fr-FR" b="1" dirty="0" err="1"/>
+              <a:t>brain</a:t>
+            </a:r>
+            <a:r>
+              <a:rPr lang="fr-FR" b="1" dirty="0"/>
+              <a:t> </a:t>
+            </a:r>
+            <a:r>
+              <a:rPr lang="fr-FR" b="1" dirty="0" err="1"/>
+              <a:t>using</a:t>
+            </a:r>
+            <a:r>
+              <a:rPr lang="fr-FR" b="1" dirty="0"/>
+              <a:t> portable </a:t>
+            </a:r>
+            <a:r>
+              <a:rPr lang="fr-FR" b="1" dirty="0" err="1"/>
+              <a:t>devices</a:t>
+            </a:r>
+            <a:r>
+              <a:rPr lang="fr-FR" b="1" dirty="0"/>
+              <a:t>?</a:t>
             </a:r>
           </a:p>
         </p:txBody>
